--- a/INSTALACIONES ELECTRICAS/001_FUNDAMENTOS ELECTRICOS.pptx
+++ b/INSTALACIONES ELECTRICAS/001_FUNDAMENTOS ELECTRICOS.pptx
@@ -35,15 +35,17 @@
     <p:sldId id="365" r:id="rId29"/>
     <p:sldId id="366" r:id="rId30"/>
     <p:sldId id="367" r:id="rId31"/>
-    <p:sldId id="359" r:id="rId32"/>
-    <p:sldId id="352" r:id="rId33"/>
-    <p:sldId id="307" r:id="rId34"/>
-    <p:sldId id="308" r:id="rId35"/>
-    <p:sldId id="322" r:id="rId36"/>
-    <p:sldId id="326" r:id="rId37"/>
-    <p:sldId id="328" r:id="rId38"/>
-    <p:sldId id="330" r:id="rId39"/>
-    <p:sldId id="275" r:id="rId40"/>
+    <p:sldId id="368" r:id="rId32"/>
+    <p:sldId id="369" r:id="rId33"/>
+    <p:sldId id="359" r:id="rId34"/>
+    <p:sldId id="352" r:id="rId35"/>
+    <p:sldId id="370" r:id="rId36"/>
+    <p:sldId id="307" r:id="rId37"/>
+    <p:sldId id="308" r:id="rId38"/>
+    <p:sldId id="322" r:id="rId39"/>
+    <p:sldId id="326" r:id="rId40"/>
+    <p:sldId id="328" r:id="rId41"/>
+    <p:sldId id="330" r:id="rId42"/>
   </p:sldIdLst>
   <p:sldSz cx="9144000" cy="6858000" type="screen4x3"/>
   <p:notesSz cx="6858000" cy="9144000"/>
@@ -9500,13 +9502,8 @@
             </a:pPr>
             <a:r>
               <a:rPr lang="es-ES" dirty="0" smtClean="0"/>
-              <a:t>La línea repartidora o línea general de alimentación(LGA) conecta la CGP con el </a:t>
-            </a:r>
-            <a:r>
-              <a:rPr lang="es-ES" dirty="0" smtClean="0"/>
-              <a:t>cuarto destinado a contener la centralización de contadores. </a:t>
-            </a:r>
-            <a:endParaRPr lang="es-ES" dirty="0" smtClean="0"/>
+              <a:t>La línea repartidora o línea general de alimentación(LGA) conecta la CGP con el cuarto destinado a contener la centralización de contadores. </a:t>
+            </a:r>
           </a:p>
           <a:p>
             <a:pPr marL="0" indent="0" algn="just">
@@ -13916,43 +13913,32 @@
       </p:sp>
       <p:pic>
         <p:nvPicPr>
-          <p:cNvPr id="13314" name="Picture 2" descr="https://angelmicelti.github.io/4ESO/INS/toma_tierra3.jpg"/>
+          <p:cNvPr id="5" name="Imagen 4"/>
           <p:cNvPicPr>
-            <a:picLocks noChangeAspect="1" noChangeArrowheads="1"/>
+            <a:picLocks noChangeAspect="1"/>
           </p:cNvPicPr>
           <p:nvPr/>
         </p:nvPicPr>
         <p:blipFill>
-          <a:blip r:embed="rId4">
+          <a:blip r:embed="rId4" cstate="print">
             <a:extLst>
               <a:ext uri="{28A0092B-C50C-407E-A947-70E740481C1C}">
                 <a14:useLocalDpi xmlns:a14="http://schemas.microsoft.com/office/drawing/2010/main" val="0"/>
               </a:ext>
             </a:extLst>
           </a:blip>
-          <a:srcRect/>
           <a:stretch>
             <a:fillRect/>
           </a:stretch>
         </p:blipFill>
-        <p:spPr bwMode="auto">
-          <a:xfrm>
-            <a:off x="5724128" y="2279763"/>
-            <a:ext cx="3154574" cy="2364213"/>
-          </a:xfrm>
-          <a:prstGeom prst="rect">
-            <a:avLst/>
-          </a:prstGeom>
-          <a:noFill/>
-          <a:extLst>
-            <a:ext uri="{909E8E84-426E-40DD-AFC4-6F175D3DCCD1}">
-              <a14:hiddenFill xmlns:a14="http://schemas.microsoft.com/office/drawing/2010/main">
-                <a:solidFill>
-                  <a:srgbClr val="FFFFFF"/>
-                </a:solidFill>
-              </a14:hiddenFill>
-            </a:ext>
-          </a:extLst>
+        <p:spPr>
+          <a:xfrm>
+            <a:off x="5724128" y="1761097"/>
+            <a:ext cx="3140968" cy="3140968"/>
+          </a:xfrm>
+          <a:prstGeom prst="rect">
+            <a:avLst/>
+          </a:prstGeom>
         </p:spPr>
       </p:pic>
     </p:spTree>
@@ -14116,64 +14102,6 @@
       </p:pic>
       <p:sp>
         <p:nvSpPr>
-          <p:cNvPr id="4" name="Título 3"/>
-          <p:cNvSpPr>
-            <a:spLocks noGrp="1"/>
-          </p:cNvSpPr>
-          <p:nvPr>
-            <p:ph type="ctrTitle"/>
-          </p:nvPr>
-        </p:nvSpPr>
-        <p:spPr>
-          <a:xfrm>
-            <a:off x="5828009" y="4461864"/>
-            <a:ext cx="3089715" cy="398364"/>
-          </a:xfrm>
-        </p:spPr>
-        <p:txBody>
-          <a:bodyPr>
-            <a:noAutofit/>
-          </a:bodyPr>
-          <a:lstStyle/>
-          <a:p>
-            <a:r>
-              <a:rPr lang="en-US" sz="1800" b="1" dirty="0" err="1" smtClean="0"/>
-              <a:t>Ing</a:t>
-            </a:r>
-            <a:r>
-              <a:rPr lang="en-US" sz="1800" b="1" dirty="0" smtClean="0"/>
-              <a:t>. </a:t>
-            </a:r>
-            <a:r>
-              <a:rPr lang="es-ES" sz="1800" dirty="0" smtClean="0"/>
-              <a:t>César </a:t>
-            </a:r>
-            <a:r>
-              <a:rPr lang="es-ES" sz="1800" dirty="0" err="1" smtClean="0"/>
-              <a:t>Sinchiguano</a:t>
-            </a:r>
-            <a:r>
-              <a:rPr lang="es-ES" sz="1800" dirty="0" smtClean="0"/>
-              <a:t>, </a:t>
-            </a:r>
-            <a:r>
-              <a:rPr lang="es-ES" sz="1800" dirty="0" err="1" smtClean="0"/>
-              <a:t>MSc</a:t>
-            </a:r>
-            <a:endParaRPr lang="es-EC" sz="1800" b="1" i="1" dirty="0">
-              <a:effectLst>
-                <a:outerShdw blurRad="38100" dist="38100" dir="2700000" algn="tl">
-                  <a:srgbClr val="000000">
-                    <a:alpha val="43137"/>
-                  </a:srgbClr>
-                </a:outerShdw>
-              </a:effectLst>
-            </a:endParaRPr>
-          </a:p>
-        </p:txBody>
-      </p:sp>
-      <p:sp>
-        <p:nvSpPr>
           <p:cNvPr id="6" name="15 CuadroTexto"/>
           <p:cNvSpPr txBox="1"/>
           <p:nvPr/>
@@ -14206,159 +14134,9 @@
           </a:p>
         </p:txBody>
       </p:sp>
-      <p:pic>
-        <p:nvPicPr>
-          <p:cNvPr id="9" name="Imagen 8"/>
-          <p:cNvPicPr>
-            <a:picLocks noChangeAspect="1"/>
-          </p:cNvPicPr>
-          <p:nvPr/>
-        </p:nvPicPr>
-        <p:blipFill>
-          <a:blip r:embed="rId4" cstate="print">
-            <a:extLst>
-              <a:ext uri="{28A0092B-C50C-407E-A947-70E740481C1C}">
-                <a14:useLocalDpi xmlns:a14="http://schemas.microsoft.com/office/drawing/2010/main" val="0"/>
-              </a:ext>
-            </a:extLst>
-          </a:blip>
-          <a:stretch>
-            <a:fillRect/>
-          </a:stretch>
-        </p:blipFill>
-        <p:spPr>
-          <a:xfrm>
-            <a:off x="6660232" y="992745"/>
-            <a:ext cx="1922298" cy="841005"/>
-          </a:xfrm>
-          <a:prstGeom prst="rect">
-            <a:avLst/>
-          </a:prstGeom>
-        </p:spPr>
-      </p:pic>
-      <p:pic>
-        <p:nvPicPr>
-          <p:cNvPr id="10" name="Imagen 9"/>
-          <p:cNvPicPr>
-            <a:picLocks noChangeAspect="1"/>
-          </p:cNvPicPr>
-          <p:nvPr/>
-        </p:nvPicPr>
-        <p:blipFill>
-          <a:blip r:embed="rId5" cstate="print">
-            <a:extLst>
-              <a:ext uri="{28A0092B-C50C-407E-A947-70E740481C1C}">
-                <a14:useLocalDpi xmlns:a14="http://schemas.microsoft.com/office/drawing/2010/main" val="0"/>
-              </a:ext>
-            </a:extLst>
-          </a:blip>
-          <a:stretch>
-            <a:fillRect/>
-          </a:stretch>
-        </p:blipFill>
-        <p:spPr>
-          <a:xfrm>
-            <a:off x="567914" y="808987"/>
-            <a:ext cx="1582586" cy="962942"/>
-          </a:xfrm>
-          <a:prstGeom prst="rect">
-            <a:avLst/>
-          </a:prstGeom>
-        </p:spPr>
-      </p:pic>
-      <p:pic>
-        <p:nvPicPr>
-          <p:cNvPr id="11" name="Imagen 10"/>
-          <p:cNvPicPr>
-            <a:picLocks noChangeAspect="1"/>
-          </p:cNvPicPr>
-          <p:nvPr/>
-        </p:nvPicPr>
-        <p:blipFill>
-          <a:blip r:embed="rId6">
-            <a:extLst>
-              <a:ext uri="{28A0092B-C50C-407E-A947-70E740481C1C}">
-                <a14:useLocalDpi xmlns:a14="http://schemas.microsoft.com/office/drawing/2010/main" val="0"/>
-              </a:ext>
-            </a:extLst>
-          </a:blip>
-          <a:stretch>
-            <a:fillRect/>
-          </a:stretch>
-        </p:blipFill>
-        <p:spPr>
-          <a:xfrm>
-            <a:off x="386490" y="2860329"/>
-            <a:ext cx="1767458" cy="704997"/>
-          </a:xfrm>
-          <a:prstGeom prst="rect">
-            <a:avLst/>
-          </a:prstGeom>
-        </p:spPr>
-      </p:pic>
-      <p:pic>
-        <p:nvPicPr>
-          <p:cNvPr id="12" name="Imagen 11"/>
-          <p:cNvPicPr>
-            <a:picLocks noChangeAspect="1"/>
-          </p:cNvPicPr>
-          <p:nvPr/>
-        </p:nvPicPr>
-        <p:blipFill>
-          <a:blip r:embed="rId7" cstate="print">
-            <a:extLst>
-              <a:ext uri="{28A0092B-C50C-407E-A947-70E740481C1C}">
-                <a14:useLocalDpi xmlns:a14="http://schemas.microsoft.com/office/drawing/2010/main" val="0"/>
-              </a:ext>
-            </a:extLst>
-          </a:blip>
-          <a:stretch>
-            <a:fillRect/>
-          </a:stretch>
-        </p:blipFill>
-        <p:spPr>
-          <a:xfrm>
-            <a:off x="6982198" y="2625141"/>
-            <a:ext cx="1650249" cy="1650249"/>
-          </a:xfrm>
-          <a:prstGeom prst="rect">
-            <a:avLst/>
-          </a:prstGeom>
-        </p:spPr>
-      </p:pic>
-      <p:pic>
-        <p:nvPicPr>
-          <p:cNvPr id="13" name="Imagen 12"/>
-          <p:cNvPicPr>
-            <a:picLocks noChangeAspect="1"/>
-          </p:cNvPicPr>
-          <p:nvPr/>
-        </p:nvPicPr>
-        <p:blipFill>
-          <a:blip r:embed="rId8">
-            <a:extLst>
-              <a:ext uri="{28A0092B-C50C-407E-A947-70E740481C1C}">
-                <a14:useLocalDpi xmlns:a14="http://schemas.microsoft.com/office/drawing/2010/main" val="0"/>
-              </a:ext>
-            </a:extLst>
-          </a:blip>
-          <a:stretch>
-            <a:fillRect/>
-          </a:stretch>
-        </p:blipFill>
-        <p:spPr>
-          <a:xfrm>
-            <a:off x="402924" y="5131722"/>
-            <a:ext cx="2264282" cy="512216"/>
-          </a:xfrm>
-          <a:prstGeom prst="rect">
-            <a:avLst/>
-          </a:prstGeom>
-        </p:spPr>
-      </p:pic>
-      <p:sp>
-        <p:nvSpPr>
-          <p:cNvPr id="14" name="Título 3"/>
+      <p:sp>
+        <p:nvSpPr>
+          <p:cNvPr id="11" name="Título 3"/>
           <p:cNvSpPr txBox="1">
             <a:spLocks/>
           </p:cNvSpPr>
@@ -14366,19 +14144,19 @@
         </p:nvSpPr>
         <p:spPr>
           <a:xfrm>
-            <a:off x="5940152" y="4808710"/>
-            <a:ext cx="2865431" cy="331911"/>
-          </a:xfrm>
-          <a:prstGeom prst="rect">
-            <a:avLst/>
-          </a:prstGeom>
-        </p:spPr>
-        <p:txBody>
-          <a:bodyPr vert="horz" lIns="91440" tIns="45720" rIns="91440" bIns="45720" rtlCol="0" anchor="b">
+            <a:off x="297589" y="490588"/>
+            <a:ext cx="8208912" cy="685285"/>
+          </a:xfrm>
+          <a:prstGeom prst="rect">
+            <a:avLst/>
+          </a:prstGeom>
+        </p:spPr>
+        <p:txBody>
+          <a:bodyPr vert="horz" lIns="91440" tIns="45720" rIns="91440" bIns="45720" rtlCol="0" anchor="ctr">
             <a:noAutofit/>
           </a:bodyPr>
           <a:lstStyle>
-            <a:lvl1pPr algn="ctr" defTabSz="685800" rtl="0" eaLnBrk="1" latinLnBrk="0" hangingPunct="1">
+            <a:lvl1pPr algn="l" defTabSz="685800" rtl="0" eaLnBrk="1" latinLnBrk="0" hangingPunct="1">
               <a:lnSpc>
                 <a:spcPct val="90000"/>
               </a:lnSpc>
@@ -14386,7 +14164,7 @@
                 <a:spcPct val="0"/>
               </a:spcBef>
               <a:buNone/>
-              <a:defRPr sz="4500" kern="1200">
+              <a:defRPr sz="3300" kern="1200">
                 <a:solidFill>
                   <a:schemeClr val="tx1"/>
                 </a:solidFill>
@@ -14397,11 +14175,20 @@
             </a:lvl1pPr>
           </a:lstStyle>
           <a:p>
-            <a:r>
-              <a:rPr lang="en-US" sz="1600" b="1" dirty="0" smtClean="0"/>
-              <a:t>cesar.sinchiguano@uleam.edu.ec</a:t>
-            </a:r>
-            <a:endParaRPr lang="es-EC" sz="1600" b="1" i="1" dirty="0">
+            <a:pPr algn="ctr"/>
+            <a:r>
+              <a:rPr lang="es-ES" sz="4000" dirty="0">
+                <a:effectLst>
+                  <a:outerShdw blurRad="38100" dist="38100" dir="2700000" algn="tl">
+                    <a:srgbClr val="000000">
+                      <a:alpha val="43137"/>
+                    </a:srgbClr>
+                  </a:outerShdw>
+                </a:effectLst>
+              </a:rPr>
+              <a:t>Instalación interior de la vivienda</a:t>
+            </a:r>
+            <a:endParaRPr lang="es-EC" sz="4400" b="1" i="1" dirty="0">
               <a:effectLst>
                 <a:outerShdw blurRad="38100" dist="38100" dir="2700000" algn="tl">
                   <a:srgbClr val="000000">
@@ -14415,57 +14202,159 @@
       </p:sp>
       <p:sp>
         <p:nvSpPr>
-          <p:cNvPr id="15" name="Título 2"/>
-          <p:cNvSpPr txBox="1">
-            <a:spLocks/>
+          <p:cNvPr id="16" name="Marcador de contenido 4"/>
+          <p:cNvSpPr>
+            <a:spLocks noGrp="1"/>
           </p:cNvSpPr>
-          <p:nvPr/>
-        </p:nvSpPr>
-        <p:spPr>
-          <a:xfrm>
-            <a:off x="2069091" y="2234997"/>
-            <a:ext cx="4591141" cy="1427807"/>
-          </a:xfrm>
-          <a:prstGeom prst="rect">
-            <a:avLst/>
-          </a:prstGeom>
-        </p:spPr>
-        <p:txBody>
-          <a:bodyPr vert="horz" lIns="91440" tIns="45720" rIns="91440" bIns="45720" rtlCol="0" anchor="b">
+          <p:nvPr>
+            <p:ph sz="half" idx="1"/>
+          </p:nvPr>
+        </p:nvSpPr>
+        <p:spPr>
+          <a:xfrm>
+            <a:off x="182302" y="1108226"/>
+            <a:ext cx="3093554" cy="458811"/>
+          </a:xfrm>
+        </p:spPr>
+        <p:txBody>
+          <a:bodyPr>
             <a:normAutofit/>
           </a:bodyPr>
-          <a:lstStyle>
-            <a:lvl1pPr algn="ctr" defTabSz="685800" rtl="0" eaLnBrk="1" latinLnBrk="0" hangingPunct="1">
-              <a:lnSpc>
-                <a:spcPct val="90000"/>
-              </a:lnSpc>
-              <a:spcBef>
-                <a:spcPct val="0"/>
-              </a:spcBef>
+          <a:lstStyle/>
+          <a:p>
+            <a:pPr marL="0" indent="0" algn="just">
               <a:buNone/>
-              <a:defRPr sz="4500" kern="1200">
+            </a:pPr>
+            <a:r>
+              <a:rPr lang="es-ES" dirty="0" smtClean="0">
+                <a:effectLst>
+                  <a:outerShdw blurRad="38100" dist="38100" dir="2700000" algn="tl">
+                    <a:srgbClr val="000000">
+                      <a:alpha val="43137"/>
+                    </a:srgbClr>
+                  </a:outerShdw>
+                </a:effectLst>
+              </a:rPr>
+              <a:t>Toma de tierra del edificio</a:t>
+            </a:r>
+            <a:endParaRPr lang="es-ES" dirty="0" smtClean="0">
+              <a:effectLst>
+                <a:outerShdw blurRad="38100" dist="38100" dir="2700000" algn="tl">
+                  <a:srgbClr val="000000">
+                    <a:alpha val="43137"/>
+                  </a:srgbClr>
+                </a:outerShdw>
+              </a:effectLst>
+            </a:endParaRPr>
+          </a:p>
+        </p:txBody>
+      </p:sp>
+      <p:sp>
+        <p:nvSpPr>
+          <p:cNvPr id="4" name="Rectángulo 3"/>
+          <p:cNvSpPr/>
+          <p:nvPr/>
+        </p:nvSpPr>
+        <p:spPr>
+          <a:xfrm>
+            <a:off x="182302" y="1890235"/>
+            <a:ext cx="5397810" cy="2308324"/>
+          </a:xfrm>
+          <a:prstGeom prst="rect">
+            <a:avLst/>
+          </a:prstGeom>
+        </p:spPr>
+        <p:txBody>
+          <a:bodyPr wrap="square">
+            <a:spAutoFit/>
+          </a:bodyPr>
+          <a:lstStyle/>
+          <a:p>
+            <a:r>
+              <a:rPr lang="es-ES" dirty="0" smtClean="0">
                 <a:solidFill>
-                  <a:schemeClr val="tx1"/>
+                  <a:srgbClr val="333333"/>
                 </a:solidFill>
-                <a:latin typeface="+mj-lt"/>
-                <a:ea typeface="+mj-ea"/>
-                <a:cs typeface="+mj-cs"/>
-              </a:defRPr>
-            </a:lvl1pPr>
-          </a:lstStyle>
-          <a:p>
-            <a:r>
-              <a:rPr lang="es-ES" sz="9600" b="1" dirty="0" smtClean="0"/>
-              <a:t>Gracias</a:t>
-            </a:r>
-            <a:endParaRPr lang="es-EC" sz="9600" b="1" dirty="0"/>
-          </a:p>
-        </p:txBody>
-      </p:sp>
+                <a:latin typeface="Encode Sans"/>
+              </a:rPr>
+              <a:t>La toma de tierra consiste en una instalación conductora (cable color verde amarillo) paralela a la instalación eléctrica del edificio, terminada en un electrodo enterrado en el suelo</a:t>
+            </a:r>
+            <a:r>
+              <a:rPr lang="es-ES" dirty="0" smtClean="0">
+                <a:solidFill>
+                  <a:srgbClr val="333333"/>
+                </a:solidFill>
+                <a:latin typeface="Encode Sans"/>
+              </a:rPr>
+              <a:t>.</a:t>
+            </a:r>
+          </a:p>
+          <a:p>
+            <a:r>
+              <a:rPr lang="es-ES" dirty="0" smtClean="0">
+                <a:solidFill>
+                  <a:srgbClr val="333333"/>
+                </a:solidFill>
+                <a:latin typeface="Encode Sans"/>
+              </a:rPr>
+              <a:t>Misión es derivar a tierra cualquier fuga de corriente que haya cargado un sistema o aparato eléctricos de las viviendas.</a:t>
+            </a:r>
+            <a:r>
+              <a:rPr lang="es-ES" dirty="0" smtClean="0"/>
+              <a:t/>
+            </a:r>
+            <a:br>
+              <a:rPr lang="es-ES" dirty="0" smtClean="0"/>
+            </a:br>
+            <a:endParaRPr lang="es-EC" dirty="0"/>
+          </a:p>
+        </p:txBody>
+      </p:sp>
+      <p:pic>
+        <p:nvPicPr>
+          <p:cNvPr id="13314" name="Picture 2" descr="https://angelmicelti.github.io/4ESO/INS/toma_tierra3.jpg"/>
+          <p:cNvPicPr>
+            <a:picLocks noChangeAspect="1" noChangeArrowheads="1"/>
+          </p:cNvPicPr>
+          <p:nvPr/>
+        </p:nvPicPr>
+        <p:blipFill>
+          <a:blip r:embed="rId4">
+            <a:extLst>
+              <a:ext uri="{28A0092B-C50C-407E-A947-70E740481C1C}">
+                <a14:useLocalDpi xmlns:a14="http://schemas.microsoft.com/office/drawing/2010/main" val="0"/>
+              </a:ext>
+            </a:extLst>
+          </a:blip>
+          <a:srcRect/>
+          <a:stretch>
+            <a:fillRect/>
+          </a:stretch>
+        </p:blipFill>
+        <p:spPr bwMode="auto">
+          <a:xfrm>
+            <a:off x="5724128" y="2279763"/>
+            <a:ext cx="3154574" cy="2364213"/>
+          </a:xfrm>
+          <a:prstGeom prst="rect">
+            <a:avLst/>
+          </a:prstGeom>
+          <a:noFill/>
+          <a:extLst>
+            <a:ext uri="{909E8E84-426E-40DD-AFC4-6F175D3DCCD1}">
+              <a14:hiddenFill xmlns:a14="http://schemas.microsoft.com/office/drawing/2010/main">
+                <a:solidFill>
+                  <a:srgbClr val="FFFFFF"/>
+                </a:solidFill>
+              </a14:hiddenFill>
+            </a:ext>
+          </a:extLst>
+        </p:spPr>
+      </p:pic>
     </p:spTree>
     <p:extLst>
       <p:ext uri="{BB962C8B-B14F-4D97-AF65-F5344CB8AC3E}">
-        <p14:creationId xmlns:p14="http://schemas.microsoft.com/office/powerpoint/2010/main" val="4294254384"/>
+        <p14:creationId xmlns:p14="http://schemas.microsoft.com/office/powerpoint/2010/main" val="1216477499"/>
       </p:ext>
     </p:extLst>
   </p:cSld>
@@ -14623,99 +14512,197 @@
       </p:pic>
       <p:sp>
         <p:nvSpPr>
-          <p:cNvPr id="4" name="Título 3"/>
+          <p:cNvPr id="6" name="15 CuadroTexto"/>
+          <p:cNvSpPr txBox="1"/>
+          <p:nvPr/>
+        </p:nvSpPr>
+        <p:spPr>
+          <a:xfrm>
+            <a:off x="402924" y="97658"/>
+            <a:ext cx="4752528" cy="276999"/>
+          </a:xfrm>
+          <a:prstGeom prst="rect">
+            <a:avLst/>
+          </a:prstGeom>
+          <a:noFill/>
+        </p:spPr>
+        <p:txBody>
+          <a:bodyPr wrap="square" rtlCol="0">
+            <a:spAutoFit/>
+          </a:bodyPr>
+          <a:lstStyle/>
+          <a:p>
+            <a:r>
+              <a:rPr lang="es-EC" sz="1200" i="1" dirty="0" smtClean="0"/>
+              <a:t>#</a:t>
+            </a:r>
+            <a:r>
+              <a:rPr lang="es-EC" sz="1200" i="1" dirty="0" err="1" smtClean="0"/>
+              <a:t>UleamEnBuenasManos</a:t>
+            </a:r>
+            <a:endParaRPr lang="es-EC" sz="1200" i="1" dirty="0"/>
+          </a:p>
+        </p:txBody>
+      </p:sp>
+      <p:sp>
+        <p:nvSpPr>
+          <p:cNvPr id="5" name="Marcador de contenido 4"/>
           <p:cNvSpPr>
             <a:spLocks noGrp="1"/>
           </p:cNvSpPr>
           <p:nvPr>
-            <p:ph type="ctrTitle"/>
+            <p:ph sz="half" idx="1"/>
           </p:nvPr>
         </p:nvSpPr>
-        <p:spPr>
-          <a:xfrm>
-            <a:off x="5828009" y="4461864"/>
-            <a:ext cx="3089715" cy="398364"/>
-          </a:xfrm>
-        </p:spPr>
+        <p:spPr/>
         <p:txBody>
           <a:bodyPr>
-            <a:noAutofit/>
+            <a:normAutofit/>
           </a:bodyPr>
           <a:lstStyle/>
           <a:p>
-            <a:r>
-              <a:rPr lang="en-US" sz="1800" b="1" dirty="0" err="1" smtClean="0"/>
-              <a:t>Ing</a:t>
-            </a:r>
-            <a:r>
-              <a:rPr lang="en-US" sz="1800" b="1" dirty="0" smtClean="0"/>
-              <a:t>. </a:t>
-            </a:r>
-            <a:r>
-              <a:rPr lang="es-ES" sz="1800" dirty="0" smtClean="0"/>
-              <a:t>César </a:t>
-            </a:r>
-            <a:r>
-              <a:rPr lang="es-ES" sz="1800" dirty="0" err="1" smtClean="0"/>
-              <a:t>Sinchiguano</a:t>
-            </a:r>
-            <a:r>
-              <a:rPr lang="es-ES" sz="1800" dirty="0" smtClean="0"/>
-              <a:t>, </a:t>
-            </a:r>
-            <a:r>
-              <a:rPr lang="es-ES" sz="1800" dirty="0" err="1" smtClean="0"/>
-              <a:t>MSc</a:t>
-            </a:r>
-            <a:endParaRPr lang="es-EC" sz="1800" b="1" i="1" dirty="0">
-              <a:effectLst>
-                <a:outerShdw blurRad="38100" dist="38100" dir="2700000" algn="tl">
-                  <a:srgbClr val="000000">
-                    <a:alpha val="43137"/>
-                  </a:srgbClr>
-                </a:outerShdw>
-              </a:effectLst>
-            </a:endParaRPr>
-          </a:p>
-        </p:txBody>
-      </p:sp>
-      <p:sp>
-        <p:nvSpPr>
-          <p:cNvPr id="6" name="15 CuadroTexto"/>
-          <p:cNvSpPr txBox="1"/>
-          <p:nvPr/>
-        </p:nvSpPr>
-        <p:spPr>
-          <a:xfrm>
-            <a:off x="402924" y="97658"/>
-            <a:ext cx="4752528" cy="276999"/>
-          </a:xfrm>
-          <a:prstGeom prst="rect">
-            <a:avLst/>
-          </a:prstGeom>
-          <a:noFill/>
-        </p:spPr>
-        <p:txBody>
-          <a:bodyPr wrap="square" rtlCol="0">
-            <a:spAutoFit/>
-          </a:bodyPr>
-          <a:lstStyle/>
-          <a:p>
-            <a:r>
-              <a:rPr lang="es-EC" sz="1200" i="1" dirty="0" smtClean="0"/>
-              <a:t>#</a:t>
-            </a:r>
-            <a:r>
-              <a:rPr lang="es-EC" sz="1200" i="1" dirty="0" err="1" smtClean="0"/>
-              <a:t>UleamEnBuenasManos</a:t>
-            </a:r>
-            <a:endParaRPr lang="es-EC" sz="1200" i="1" dirty="0"/>
-          </a:p>
-        </p:txBody>
-      </p:sp>
-      <p:sp>
-        <p:nvSpPr>
-          <p:cNvPr id="14" name="Título 3"/>
+            <a:pPr>
+              <a:buFont typeface="Wingdings" panose="05000000000000000000" pitchFamily="2" charset="2"/>
+              <a:buChar char="q"/>
+            </a:pPr>
+            <a:r>
+              <a:rPr lang="es-ES" dirty="0" smtClean="0"/>
+              <a:t>Diseño de instalaciones.</a:t>
+            </a:r>
+          </a:p>
+          <a:p>
+            <a:pPr lvl="1">
+              <a:buFont typeface="Wingdings" panose="05000000000000000000" pitchFamily="2" charset="2"/>
+              <a:buChar char="q"/>
+            </a:pPr>
+            <a:r>
+              <a:rPr lang="es-ES" dirty="0" smtClean="0"/>
+              <a:t>Definiciones</a:t>
+            </a:r>
+          </a:p>
+          <a:p>
+            <a:pPr lvl="1">
+              <a:buFont typeface="Wingdings" panose="05000000000000000000" pitchFamily="2" charset="2"/>
+              <a:buChar char="q"/>
+            </a:pPr>
+            <a:r>
+              <a:rPr lang="es-ES" dirty="0"/>
+              <a:t>Marco normativo y </a:t>
+            </a:r>
+            <a:r>
+              <a:rPr lang="es-ES" dirty="0" smtClean="0"/>
+              <a:t>referencias</a:t>
+            </a:r>
+          </a:p>
+          <a:p>
+            <a:pPr lvl="1">
+              <a:buFont typeface="Wingdings" panose="05000000000000000000" pitchFamily="2" charset="2"/>
+              <a:buChar char="q"/>
+            </a:pPr>
+            <a:r>
+              <a:rPr lang="es-ES" dirty="0" smtClean="0"/>
+              <a:t>Instalación eléctrica de la vivienda</a:t>
+            </a:r>
+            <a:endParaRPr lang="es-ES" dirty="0"/>
+          </a:p>
+          <a:p>
+            <a:pPr lvl="1">
+              <a:buFont typeface="Wingdings" panose="05000000000000000000" pitchFamily="2" charset="2"/>
+              <a:buChar char="q"/>
+            </a:pPr>
+            <a:r>
+              <a:rPr lang="es-ES" dirty="0" smtClean="0"/>
+              <a:t>Instalación de enlace </a:t>
+            </a:r>
+          </a:p>
+          <a:p>
+            <a:pPr lvl="2">
+              <a:buFont typeface="Wingdings" panose="05000000000000000000" pitchFamily="2" charset="2"/>
+              <a:buChar char="q"/>
+            </a:pPr>
+            <a:r>
+              <a:rPr lang="es-ES" dirty="0" smtClean="0"/>
+              <a:t>Línea de acometida</a:t>
+            </a:r>
+          </a:p>
+          <a:p>
+            <a:pPr lvl="2">
+              <a:buFont typeface="Wingdings" panose="05000000000000000000" pitchFamily="2" charset="2"/>
+              <a:buChar char="q"/>
+            </a:pPr>
+            <a:r>
+              <a:rPr lang="es-ES" dirty="0" smtClean="0"/>
+              <a:t>Caja general de protección</a:t>
+            </a:r>
+          </a:p>
+          <a:p>
+            <a:pPr lvl="2">
+              <a:buFont typeface="Wingdings" panose="05000000000000000000" pitchFamily="2" charset="2"/>
+              <a:buChar char="q"/>
+            </a:pPr>
+            <a:r>
+              <a:rPr lang="es-ES" dirty="0" smtClean="0"/>
+              <a:t>Línea repartidora</a:t>
+            </a:r>
+          </a:p>
+          <a:p>
+            <a:pPr lvl="2">
+              <a:buFont typeface="Wingdings" panose="05000000000000000000" pitchFamily="2" charset="2"/>
+              <a:buChar char="q"/>
+            </a:pPr>
+            <a:r>
+              <a:rPr lang="es-ES" dirty="0" smtClean="0"/>
+              <a:t>Centralización de contadores</a:t>
+            </a:r>
+          </a:p>
+          <a:p>
+            <a:pPr lvl="2">
+              <a:buFont typeface="Wingdings" panose="05000000000000000000" pitchFamily="2" charset="2"/>
+              <a:buChar char="q"/>
+            </a:pPr>
+            <a:r>
+              <a:rPr lang="es-ES" dirty="0" smtClean="0"/>
+              <a:t>Cuadro general de mando y protección</a:t>
+            </a:r>
+          </a:p>
+          <a:p>
+            <a:pPr lvl="1">
+              <a:buFont typeface="Wingdings" panose="05000000000000000000" pitchFamily="2" charset="2"/>
+              <a:buChar char="q"/>
+            </a:pPr>
+            <a:r>
+              <a:rPr lang="es-ES" dirty="0" smtClean="0"/>
+              <a:t>Instalación interior de la vivienda</a:t>
+            </a:r>
+          </a:p>
+          <a:p>
+            <a:pPr lvl="2">
+              <a:buFont typeface="Wingdings" panose="05000000000000000000" pitchFamily="2" charset="2"/>
+              <a:buChar char="q"/>
+            </a:pPr>
+            <a:r>
+              <a:rPr lang="es-ES" dirty="0" smtClean="0"/>
+              <a:t>Cuadro general de mando y protección (CGMP)</a:t>
+            </a:r>
+          </a:p>
+          <a:p>
+            <a:pPr lvl="1">
+              <a:buFont typeface="Wingdings" panose="05000000000000000000" pitchFamily="2" charset="2"/>
+              <a:buChar char="q"/>
+            </a:pPr>
+            <a:endParaRPr lang="es-ES" dirty="0" smtClean="0"/>
+          </a:p>
+          <a:p>
+            <a:pPr marL="0" indent="0">
+              <a:buNone/>
+            </a:pPr>
+            <a:endParaRPr lang="es-ES" dirty="0" smtClean="0"/>
+          </a:p>
+        </p:txBody>
+      </p:sp>
+      <p:sp>
+        <p:nvSpPr>
+          <p:cNvPr id="11" name="Título 3"/>
           <p:cNvSpPr txBox="1">
             <a:spLocks/>
           </p:cNvSpPr>
@@ -14723,19 +14710,19 @@
         </p:nvSpPr>
         <p:spPr>
           <a:xfrm>
-            <a:off x="5940152" y="4808710"/>
-            <a:ext cx="2865431" cy="331911"/>
-          </a:xfrm>
-          <a:prstGeom prst="rect">
-            <a:avLst/>
-          </a:prstGeom>
-        </p:spPr>
-        <p:txBody>
-          <a:bodyPr vert="horz" lIns="91440" tIns="45720" rIns="91440" bIns="45720" rtlCol="0" anchor="b">
+            <a:off x="2123728" y="904166"/>
+            <a:ext cx="5184576" cy="685285"/>
+          </a:xfrm>
+          <a:prstGeom prst="rect">
+            <a:avLst/>
+          </a:prstGeom>
+        </p:spPr>
+        <p:txBody>
+          <a:bodyPr vert="horz" lIns="91440" tIns="45720" rIns="91440" bIns="45720" rtlCol="0" anchor="ctr">
             <a:noAutofit/>
           </a:bodyPr>
           <a:lstStyle>
-            <a:lvl1pPr algn="ctr" defTabSz="685800" rtl="0" eaLnBrk="1" latinLnBrk="0" hangingPunct="1">
+            <a:lvl1pPr algn="l" defTabSz="685800" rtl="0" eaLnBrk="1" latinLnBrk="0" hangingPunct="1">
               <a:lnSpc>
                 <a:spcPct val="90000"/>
               </a:lnSpc>
@@ -14743,7 +14730,7 @@
                 <a:spcPct val="0"/>
               </a:spcBef>
               <a:buNone/>
-              <a:defRPr sz="4500" kern="1200">
+              <a:defRPr sz="3300" kern="1200">
                 <a:solidFill>
                   <a:schemeClr val="tx1"/>
                 </a:solidFill>
@@ -14755,10 +14742,30 @@
           </a:lstStyle>
           <a:p>
             <a:r>
-              <a:rPr lang="en-US" sz="1600" b="1" dirty="0" smtClean="0"/>
-              <a:t>cesar.sinchiguano@uleam.edu.ec</a:t>
-            </a:r>
-            <a:endParaRPr lang="es-EC" sz="1600" b="1" i="1" dirty="0">
+              <a:rPr lang="es-ES" sz="4000" dirty="0">
+                <a:effectLst>
+                  <a:outerShdw blurRad="38100" dist="38100" dir="2700000" algn="tl">
+                    <a:srgbClr val="000000">
+                      <a:alpha val="43137"/>
+                    </a:srgbClr>
+                  </a:outerShdw>
+                </a:effectLst>
+              </a:rPr>
+              <a:t>C</a:t>
+            </a:r>
+            <a:r>
+              <a:rPr lang="es-ES" sz="4000" dirty="0" smtClean="0">
+                <a:effectLst>
+                  <a:outerShdw blurRad="38100" dist="38100" dir="2700000" algn="tl">
+                    <a:srgbClr val="000000">
+                      <a:alpha val="43137"/>
+                    </a:srgbClr>
+                  </a:outerShdw>
+                </a:effectLst>
+              </a:rPr>
+              <a:t>ontenido</a:t>
+            </a:r>
+            <a:endParaRPr lang="es-EC" sz="4400" b="1" i="1" dirty="0">
               <a:effectLst>
                 <a:outerShdw blurRad="38100" dist="38100" dir="2700000" algn="tl">
                   <a:srgbClr val="000000">
@@ -14770,101 +14777,10 @@
           </a:p>
         </p:txBody>
       </p:sp>
-      <p:sp>
-        <p:nvSpPr>
-          <p:cNvPr id="15" name="Título 2"/>
-          <p:cNvSpPr txBox="1">
-            <a:spLocks/>
-          </p:cNvSpPr>
-          <p:nvPr/>
-        </p:nvSpPr>
-        <p:spPr>
-          <a:xfrm>
-            <a:off x="2752366" y="960164"/>
-            <a:ext cx="2952328" cy="630896"/>
-          </a:xfrm>
-          <a:prstGeom prst="rect">
-            <a:avLst/>
-          </a:prstGeom>
-        </p:spPr>
-        <p:txBody>
-          <a:bodyPr vert="horz" lIns="91440" tIns="45720" rIns="91440" bIns="45720" rtlCol="0" anchor="b">
-            <a:noAutofit/>
-          </a:bodyPr>
-          <a:lstStyle>
-            <a:lvl1pPr algn="ctr" defTabSz="685800" rtl="0" eaLnBrk="1" latinLnBrk="0" hangingPunct="1">
-              <a:lnSpc>
-                <a:spcPct val="90000"/>
-              </a:lnSpc>
-              <a:spcBef>
-                <a:spcPct val="0"/>
-              </a:spcBef>
-              <a:buNone/>
-              <a:defRPr sz="4500" kern="1200">
-                <a:solidFill>
-                  <a:schemeClr val="tx1"/>
-                </a:solidFill>
-                <a:latin typeface="+mj-lt"/>
-                <a:ea typeface="+mj-ea"/>
-                <a:cs typeface="+mj-cs"/>
-              </a:defRPr>
-            </a:lvl1pPr>
-          </a:lstStyle>
-          <a:p>
-            <a:r>
-              <a:rPr lang="es-ES" sz="4000" b="1" dirty="0" smtClean="0"/>
-              <a:t>Bibliografía</a:t>
-            </a:r>
-            <a:endParaRPr lang="es-EC" sz="4000" b="1" dirty="0"/>
-          </a:p>
-        </p:txBody>
-      </p:sp>
-      <p:sp>
-        <p:nvSpPr>
-          <p:cNvPr id="3" name="Rectángulo 2"/>
-          <p:cNvSpPr/>
-          <p:nvPr/>
-        </p:nvSpPr>
-        <p:spPr>
-          <a:xfrm>
-            <a:off x="192490" y="1647532"/>
-            <a:ext cx="8844006" cy="923330"/>
-          </a:xfrm>
-          <a:prstGeom prst="rect">
-            <a:avLst/>
-          </a:prstGeom>
-        </p:spPr>
-        <p:txBody>
-          <a:bodyPr wrap="square">
-            <a:spAutoFit/>
-          </a:bodyPr>
-          <a:lstStyle/>
-          <a:p>
-            <a:pPr marL="285750" indent="-285750">
-              <a:buFont typeface="Arial" panose="020B0604020202020204" pitchFamily="34" charset="0"/>
-              <a:buChar char="•"/>
-            </a:pPr>
-            <a:r>
-              <a:rPr lang="es-EC" dirty="0" smtClean="0"/>
-              <a:t>Instalaciones eléctricas en viviendas</a:t>
-            </a:r>
-          </a:p>
-          <a:p>
-            <a:r>
-              <a:rPr lang="es-EC" dirty="0" smtClean="0"/>
-              <a:t>Link:  https</a:t>
-            </a:r>
-            <a:r>
-              <a:rPr lang="es-EC" dirty="0"/>
-              <a:t>://blogsaverroes.juntadeandalucia.es/iesbellavista/files/2016/05/Instalaciones-el%C3%A9ctricas-en-viviendas-15-16-apuntes.pdf</a:t>
-            </a:r>
-          </a:p>
-        </p:txBody>
-      </p:sp>
     </p:spTree>
     <p:extLst>
       <p:ext uri="{BB962C8B-B14F-4D97-AF65-F5344CB8AC3E}">
-        <p14:creationId xmlns:p14="http://schemas.microsoft.com/office/powerpoint/2010/main" val="2922060554"/>
+        <p14:creationId xmlns:p14="http://schemas.microsoft.com/office/powerpoint/2010/main" val="1699763337"/>
       </p:ext>
     </p:extLst>
   </p:cSld>
@@ -15032,8 +14948,8 @@
         </p:nvSpPr>
         <p:spPr>
           <a:xfrm>
-            <a:off x="1467094" y="374657"/>
-            <a:ext cx="6489282" cy="1231906"/>
+            <a:off x="5828009" y="4461864"/>
+            <a:ext cx="3089715" cy="398364"/>
           </a:xfrm>
         </p:spPr>
         <p:txBody>
@@ -15043,18 +14959,30 @@
           <a:lstStyle/>
           <a:p>
             <a:r>
-              <a:rPr lang="es-ES" sz="4000" dirty="0" smtClean="0">
-                <a:effectLst>
-                  <a:outerShdw blurRad="38100" dist="38100" dir="2700000" algn="tl">
-                    <a:srgbClr val="000000">
-                      <a:alpha val="43137"/>
-                    </a:srgbClr>
-                  </a:outerShdw>
-                </a:effectLst>
-              </a:rPr>
-              <a:t>Aplicaciones de la electricidad</a:t>
-            </a:r>
-            <a:endParaRPr lang="es-EC" sz="4400" b="1" i="1" dirty="0">
+              <a:rPr lang="en-US" sz="1800" b="1" dirty="0" err="1" smtClean="0"/>
+              <a:t>Ing</a:t>
+            </a:r>
+            <a:r>
+              <a:rPr lang="en-US" sz="1800" b="1" dirty="0" smtClean="0"/>
+              <a:t>. </a:t>
+            </a:r>
+            <a:r>
+              <a:rPr lang="es-ES" sz="1800" dirty="0" smtClean="0"/>
+              <a:t>César </a:t>
+            </a:r>
+            <a:r>
+              <a:rPr lang="es-ES" sz="1800" dirty="0" err="1" smtClean="0"/>
+              <a:t>Sinchiguano</a:t>
+            </a:r>
+            <a:r>
+              <a:rPr lang="es-ES" sz="1800" dirty="0" smtClean="0"/>
+              <a:t>, </a:t>
+            </a:r>
+            <a:r>
+              <a:rPr lang="es-ES" sz="1800" dirty="0" err="1" smtClean="0"/>
+              <a:t>MSc</a:t>
+            </a:r>
+            <a:endParaRPr lang="es-EC" sz="1800" b="1" i="1" dirty="0">
               <a:effectLst>
                 <a:outerShdw blurRad="38100" dist="38100" dir="2700000" algn="tl">
                   <a:srgbClr val="000000">
@@ -15100,45 +15028,159 @@
           </a:p>
         </p:txBody>
       </p:sp>
-      <p:sp>
-        <p:nvSpPr>
-          <p:cNvPr id="13" name="Rectángulo 12"/>
-          <p:cNvSpPr/>
-          <p:nvPr/>
-        </p:nvSpPr>
-        <p:spPr>
-          <a:xfrm>
-            <a:off x="402924" y="2276872"/>
-            <a:ext cx="8137926" cy="2031325"/>
-          </a:xfrm>
-          <a:prstGeom prst="rect">
-            <a:avLst/>
-          </a:prstGeom>
-        </p:spPr>
-        <p:txBody>
-          <a:bodyPr wrap="square">
-            <a:spAutoFit/>
-          </a:bodyPr>
-          <a:lstStyle/>
-          <a:p>
-            <a:pPr algn="just"/>
-            <a:r>
-              <a:rPr lang="es-ES" dirty="0" smtClean="0"/>
-              <a:t>El motor eléctrico es un dispositivo que transforma la energía eléctrica en energía mecánica por medio de la acción de los campos magnéticos generados en sus bobinas.</a:t>
-            </a:r>
-          </a:p>
-          <a:p>
-            <a:pPr algn="just"/>
-            <a:r>
-              <a:rPr lang="es-ES" dirty="0" smtClean="0"/>
-              <a:t>Son maquinas rotatorias utilizadas en infinidad de sectores tales como instalaciones industriales, comerciales, particulares. Su uso esta generalizado en ventiladores, vibradores para teléfonos móviles, bombas, electroválvulas y medios de transporte eléctrico, etc.</a:t>
-            </a:r>
-          </a:p>
-        </p:txBody>
-      </p:sp>
-      <p:sp>
-        <p:nvSpPr>
-          <p:cNvPr id="10" name="Título 3"/>
+      <p:pic>
+        <p:nvPicPr>
+          <p:cNvPr id="9" name="Imagen 8"/>
+          <p:cNvPicPr>
+            <a:picLocks noChangeAspect="1"/>
+          </p:cNvPicPr>
+          <p:nvPr/>
+        </p:nvPicPr>
+        <p:blipFill>
+          <a:blip r:embed="rId4" cstate="print">
+            <a:extLst>
+              <a:ext uri="{28A0092B-C50C-407E-A947-70E740481C1C}">
+                <a14:useLocalDpi xmlns:a14="http://schemas.microsoft.com/office/drawing/2010/main" val="0"/>
+              </a:ext>
+            </a:extLst>
+          </a:blip>
+          <a:stretch>
+            <a:fillRect/>
+          </a:stretch>
+        </p:blipFill>
+        <p:spPr>
+          <a:xfrm>
+            <a:off x="6660232" y="992745"/>
+            <a:ext cx="1922298" cy="841005"/>
+          </a:xfrm>
+          <a:prstGeom prst="rect">
+            <a:avLst/>
+          </a:prstGeom>
+        </p:spPr>
+      </p:pic>
+      <p:pic>
+        <p:nvPicPr>
+          <p:cNvPr id="10" name="Imagen 9"/>
+          <p:cNvPicPr>
+            <a:picLocks noChangeAspect="1"/>
+          </p:cNvPicPr>
+          <p:nvPr/>
+        </p:nvPicPr>
+        <p:blipFill>
+          <a:blip r:embed="rId5" cstate="print">
+            <a:extLst>
+              <a:ext uri="{28A0092B-C50C-407E-A947-70E740481C1C}">
+                <a14:useLocalDpi xmlns:a14="http://schemas.microsoft.com/office/drawing/2010/main" val="0"/>
+              </a:ext>
+            </a:extLst>
+          </a:blip>
+          <a:stretch>
+            <a:fillRect/>
+          </a:stretch>
+        </p:blipFill>
+        <p:spPr>
+          <a:xfrm>
+            <a:off x="567914" y="808987"/>
+            <a:ext cx="1582586" cy="962942"/>
+          </a:xfrm>
+          <a:prstGeom prst="rect">
+            <a:avLst/>
+          </a:prstGeom>
+        </p:spPr>
+      </p:pic>
+      <p:pic>
+        <p:nvPicPr>
+          <p:cNvPr id="11" name="Imagen 10"/>
+          <p:cNvPicPr>
+            <a:picLocks noChangeAspect="1"/>
+          </p:cNvPicPr>
+          <p:nvPr/>
+        </p:nvPicPr>
+        <p:blipFill>
+          <a:blip r:embed="rId6">
+            <a:extLst>
+              <a:ext uri="{28A0092B-C50C-407E-A947-70E740481C1C}">
+                <a14:useLocalDpi xmlns:a14="http://schemas.microsoft.com/office/drawing/2010/main" val="0"/>
+              </a:ext>
+            </a:extLst>
+          </a:blip>
+          <a:stretch>
+            <a:fillRect/>
+          </a:stretch>
+        </p:blipFill>
+        <p:spPr>
+          <a:xfrm>
+            <a:off x="386490" y="2860329"/>
+            <a:ext cx="1767458" cy="704997"/>
+          </a:xfrm>
+          <a:prstGeom prst="rect">
+            <a:avLst/>
+          </a:prstGeom>
+        </p:spPr>
+      </p:pic>
+      <p:pic>
+        <p:nvPicPr>
+          <p:cNvPr id="12" name="Imagen 11"/>
+          <p:cNvPicPr>
+            <a:picLocks noChangeAspect="1"/>
+          </p:cNvPicPr>
+          <p:nvPr/>
+        </p:nvPicPr>
+        <p:blipFill>
+          <a:blip r:embed="rId7" cstate="print">
+            <a:extLst>
+              <a:ext uri="{28A0092B-C50C-407E-A947-70E740481C1C}">
+                <a14:useLocalDpi xmlns:a14="http://schemas.microsoft.com/office/drawing/2010/main" val="0"/>
+              </a:ext>
+            </a:extLst>
+          </a:blip>
+          <a:stretch>
+            <a:fillRect/>
+          </a:stretch>
+        </p:blipFill>
+        <p:spPr>
+          <a:xfrm>
+            <a:off x="6982198" y="2625141"/>
+            <a:ext cx="1650249" cy="1650249"/>
+          </a:xfrm>
+          <a:prstGeom prst="rect">
+            <a:avLst/>
+          </a:prstGeom>
+        </p:spPr>
+      </p:pic>
+      <p:pic>
+        <p:nvPicPr>
+          <p:cNvPr id="13" name="Imagen 12"/>
+          <p:cNvPicPr>
+            <a:picLocks noChangeAspect="1"/>
+          </p:cNvPicPr>
+          <p:nvPr/>
+        </p:nvPicPr>
+        <p:blipFill>
+          <a:blip r:embed="rId8">
+            <a:extLst>
+              <a:ext uri="{28A0092B-C50C-407E-A947-70E740481C1C}">
+                <a14:useLocalDpi xmlns:a14="http://schemas.microsoft.com/office/drawing/2010/main" val="0"/>
+              </a:ext>
+            </a:extLst>
+          </a:blip>
+          <a:stretch>
+            <a:fillRect/>
+          </a:stretch>
+        </p:blipFill>
+        <p:spPr>
+          <a:xfrm>
+            <a:off x="402924" y="5131722"/>
+            <a:ext cx="2264282" cy="512216"/>
+          </a:xfrm>
+          <a:prstGeom prst="rect">
+            <a:avLst/>
+          </a:prstGeom>
+        </p:spPr>
+      </p:pic>
+      <p:sp>
+        <p:nvSpPr>
+          <p:cNvPr id="14" name="Título 3"/>
           <p:cNvSpPr txBox="1">
             <a:spLocks/>
           </p:cNvSpPr>
@@ -15146,8 +15188,8 @@
         </p:nvSpPr>
         <p:spPr>
           <a:xfrm>
-            <a:off x="402924" y="1700808"/>
-            <a:ext cx="2224860" cy="576064"/>
+            <a:off x="5940152" y="4808710"/>
+            <a:ext cx="2865431" cy="331911"/>
           </a:xfrm>
           <a:prstGeom prst="rect">
             <a:avLst/>
@@ -15177,20 +15219,11 @@
             </a:lvl1pPr>
           </a:lstStyle>
           <a:p>
-            <a:pPr algn="l"/>
-            <a:r>
-              <a:rPr lang="es-ES" sz="2400" dirty="0" smtClean="0">
-                <a:effectLst>
-                  <a:outerShdw blurRad="38100" dist="38100" dir="2700000" algn="tl">
-                    <a:srgbClr val="000000">
-                      <a:alpha val="43137"/>
-                    </a:srgbClr>
-                  </a:outerShdw>
-                </a:effectLst>
-              </a:rPr>
-              <a:t>Motor eléctrico</a:t>
-            </a:r>
-            <a:endParaRPr lang="es-EC" sz="2400" b="1" i="1" dirty="0">
+            <a:r>
+              <a:rPr lang="en-US" sz="1600" b="1" dirty="0" smtClean="0"/>
+              <a:t>cesar.sinchiguano@uleam.edu.ec</a:t>
+            </a:r>
+            <a:endParaRPr lang="es-EC" sz="1600" b="1" i="1" dirty="0">
               <a:effectLst>
                 <a:outerShdw blurRad="38100" dist="38100" dir="2700000" algn="tl">
                   <a:srgbClr val="000000">
@@ -15202,100 +15235,59 @@
           </a:p>
         </p:txBody>
       </p:sp>
-      <p:pic>
-        <p:nvPicPr>
-          <p:cNvPr id="9" name="Imagen 8"/>
-          <p:cNvPicPr>
-            <a:picLocks noChangeAspect="1"/>
-          </p:cNvPicPr>
-          <p:nvPr/>
-        </p:nvPicPr>
-        <p:blipFill>
-          <a:blip r:embed="rId4" cstate="print">
-            <a:extLst>
-              <a:ext uri="{28A0092B-C50C-407E-A947-70E740481C1C}">
-                <a14:useLocalDpi xmlns:a14="http://schemas.microsoft.com/office/drawing/2010/main" val="0"/>
-              </a:ext>
-            </a:extLst>
-          </a:blip>
-          <a:stretch>
-            <a:fillRect/>
-          </a:stretch>
-        </p:blipFill>
-        <p:spPr>
-          <a:xfrm>
-            <a:off x="6982174" y="4176328"/>
-            <a:ext cx="1979462" cy="1415866"/>
-          </a:xfrm>
-          <a:prstGeom prst="rect">
-            <a:avLst/>
-          </a:prstGeom>
-        </p:spPr>
-      </p:pic>
-      <p:pic>
-        <p:nvPicPr>
-          <p:cNvPr id="11" name="Imagen 10"/>
-          <p:cNvPicPr>
-            <a:picLocks noChangeAspect="1"/>
-          </p:cNvPicPr>
-          <p:nvPr/>
-        </p:nvPicPr>
-        <p:blipFill>
-          <a:blip r:embed="rId5" cstate="print">
-            <a:extLst>
-              <a:ext uri="{28A0092B-C50C-407E-A947-70E740481C1C}">
-                <a14:useLocalDpi xmlns:a14="http://schemas.microsoft.com/office/drawing/2010/main" val="0"/>
-              </a:ext>
-            </a:extLst>
-          </a:blip>
-          <a:stretch>
-            <a:fillRect/>
-          </a:stretch>
-        </p:blipFill>
-        <p:spPr>
-          <a:xfrm>
-            <a:off x="5004048" y="4176328"/>
-            <a:ext cx="1887821" cy="1415866"/>
-          </a:xfrm>
-          <a:prstGeom prst="rect">
-            <a:avLst/>
-          </a:prstGeom>
-        </p:spPr>
-      </p:pic>
-      <p:pic>
-        <p:nvPicPr>
-          <p:cNvPr id="12" name="Imagen 11"/>
-          <p:cNvPicPr>
-            <a:picLocks noChangeAspect="1"/>
-          </p:cNvPicPr>
-          <p:nvPr/>
-        </p:nvPicPr>
-        <p:blipFill>
-          <a:blip r:embed="rId6" cstate="print">
-            <a:extLst>
-              <a:ext uri="{28A0092B-C50C-407E-A947-70E740481C1C}">
-                <a14:useLocalDpi xmlns:a14="http://schemas.microsoft.com/office/drawing/2010/main" val="0"/>
-              </a:ext>
-            </a:extLst>
-          </a:blip>
-          <a:stretch>
-            <a:fillRect/>
-          </a:stretch>
-        </p:blipFill>
-        <p:spPr>
-          <a:xfrm>
-            <a:off x="530892" y="4381190"/>
-            <a:ext cx="2569666" cy="1928130"/>
-          </a:xfrm>
-          <a:prstGeom prst="rect">
-            <a:avLst/>
-          </a:prstGeom>
-        </p:spPr>
-      </p:pic>
+      <p:sp>
+        <p:nvSpPr>
+          <p:cNvPr id="15" name="Título 2"/>
+          <p:cNvSpPr txBox="1">
+            <a:spLocks/>
+          </p:cNvSpPr>
+          <p:nvPr/>
+        </p:nvSpPr>
+        <p:spPr>
+          <a:xfrm>
+            <a:off x="2069091" y="2234997"/>
+            <a:ext cx="4591141" cy="1427807"/>
+          </a:xfrm>
+          <a:prstGeom prst="rect">
+            <a:avLst/>
+          </a:prstGeom>
+        </p:spPr>
+        <p:txBody>
+          <a:bodyPr vert="horz" lIns="91440" tIns="45720" rIns="91440" bIns="45720" rtlCol="0" anchor="b">
+            <a:normAutofit/>
+          </a:bodyPr>
+          <a:lstStyle>
+            <a:lvl1pPr algn="ctr" defTabSz="685800" rtl="0" eaLnBrk="1" latinLnBrk="0" hangingPunct="1">
+              <a:lnSpc>
+                <a:spcPct val="90000"/>
+              </a:lnSpc>
+              <a:spcBef>
+                <a:spcPct val="0"/>
+              </a:spcBef>
+              <a:buNone/>
+              <a:defRPr sz="4500" kern="1200">
+                <a:solidFill>
+                  <a:schemeClr val="tx1"/>
+                </a:solidFill>
+                <a:latin typeface="+mj-lt"/>
+                <a:ea typeface="+mj-ea"/>
+                <a:cs typeface="+mj-cs"/>
+              </a:defRPr>
+            </a:lvl1pPr>
+          </a:lstStyle>
+          <a:p>
+            <a:r>
+              <a:rPr lang="es-ES" sz="9600" b="1" dirty="0" smtClean="0"/>
+              <a:t>Gracias</a:t>
+            </a:r>
+            <a:endParaRPr lang="es-EC" sz="9600" b="1" dirty="0"/>
+          </a:p>
+        </p:txBody>
+      </p:sp>
     </p:spTree>
     <p:extLst>
       <p:ext uri="{BB962C8B-B14F-4D97-AF65-F5344CB8AC3E}">
-        <p14:creationId xmlns:p14="http://schemas.microsoft.com/office/powerpoint/2010/main" val="1823982096"/>
+        <p14:creationId xmlns:p14="http://schemas.microsoft.com/office/powerpoint/2010/main" val="4294254384"/>
       </p:ext>
     </p:extLst>
   </p:cSld>
@@ -15349,7 +15341,7 @@
         </p:blipFill>
         <p:spPr>
           <a:xfrm>
-            <a:off x="0" y="5230294"/>
+            <a:off x="0" y="5229200"/>
             <a:ext cx="9126876" cy="1556792"/>
           </a:xfrm>
           <a:prstGeom prst="rect">
@@ -15463,8 +15455,8 @@
         </p:nvSpPr>
         <p:spPr>
           <a:xfrm>
-            <a:off x="1467094" y="374657"/>
-            <a:ext cx="6489282" cy="1231906"/>
+            <a:off x="5828009" y="4461864"/>
+            <a:ext cx="3089715" cy="398364"/>
           </a:xfrm>
         </p:spPr>
         <p:txBody>
@@ -15474,18 +15466,30 @@
           <a:lstStyle/>
           <a:p>
             <a:r>
-              <a:rPr lang="es-ES" sz="4000" dirty="0" smtClean="0">
-                <a:effectLst>
-                  <a:outerShdw blurRad="38100" dist="38100" dir="2700000" algn="tl">
-                    <a:srgbClr val="000000">
-                      <a:alpha val="43137"/>
-                    </a:srgbClr>
-                  </a:outerShdw>
-                </a:effectLst>
-              </a:rPr>
-              <a:t>Aplicaciones de la electricidad</a:t>
-            </a:r>
-            <a:endParaRPr lang="es-EC" sz="4400" b="1" i="1" dirty="0">
+              <a:rPr lang="en-US" sz="1800" b="1" dirty="0" err="1" smtClean="0"/>
+              <a:t>Ing</a:t>
+            </a:r>
+            <a:r>
+              <a:rPr lang="en-US" sz="1800" b="1" dirty="0" smtClean="0"/>
+              <a:t>. </a:t>
+            </a:r>
+            <a:r>
+              <a:rPr lang="es-ES" sz="1800" dirty="0" smtClean="0"/>
+              <a:t>César </a:t>
+            </a:r>
+            <a:r>
+              <a:rPr lang="es-ES" sz="1800" dirty="0" err="1" smtClean="0"/>
+              <a:t>Sinchiguano</a:t>
+            </a:r>
+            <a:r>
+              <a:rPr lang="es-ES" sz="1800" dirty="0" smtClean="0"/>
+              <a:t>, </a:t>
+            </a:r>
+            <a:r>
+              <a:rPr lang="es-ES" sz="1800" dirty="0" err="1" smtClean="0"/>
+              <a:t>MSc</a:t>
+            </a:r>
+            <a:endParaRPr lang="es-EC" sz="1800" b="1" i="1" dirty="0">
               <a:effectLst>
                 <a:outerShdw blurRad="38100" dist="38100" dir="2700000" algn="tl">
                   <a:srgbClr val="000000">
@@ -15531,36 +15535,6 @@
           </a:p>
         </p:txBody>
       </p:sp>
-      <p:pic>
-        <p:nvPicPr>
-          <p:cNvPr id="3" name="Imagen 2"/>
-          <p:cNvPicPr>
-            <a:picLocks noChangeAspect="1"/>
-          </p:cNvPicPr>
-          <p:nvPr/>
-        </p:nvPicPr>
-        <p:blipFill>
-          <a:blip r:embed="rId4" cstate="print">
-            <a:extLst>
-              <a:ext uri="{28A0092B-C50C-407E-A947-70E740481C1C}">
-                <a14:useLocalDpi xmlns:a14="http://schemas.microsoft.com/office/drawing/2010/main" val="0"/>
-              </a:ext>
-            </a:extLst>
-          </a:blip>
-          <a:stretch>
-            <a:fillRect/>
-          </a:stretch>
-        </p:blipFill>
-        <p:spPr>
-          <a:xfrm>
-            <a:off x="2627784" y="1684717"/>
-            <a:ext cx="2003218" cy="1153752"/>
-          </a:xfrm>
-          <a:prstGeom prst="rect">
-            <a:avLst/>
-          </a:prstGeom>
-        </p:spPr>
-      </p:pic>
       <p:sp>
         <p:nvSpPr>
           <p:cNvPr id="14" name="Título 3"/>
@@ -15571,8 +15545,8 @@
         </p:nvSpPr>
         <p:spPr>
           <a:xfrm>
-            <a:off x="402924" y="1602217"/>
-            <a:ext cx="2368876" cy="2396171"/>
+            <a:off x="5940152" y="4808710"/>
+            <a:ext cx="2865431" cy="331911"/>
           </a:xfrm>
           <a:prstGeom prst="rect">
             <a:avLst/>
@@ -15602,20 +15576,11 @@
             </a:lvl1pPr>
           </a:lstStyle>
           <a:p>
-            <a:pPr algn="l"/>
-            <a:r>
-              <a:rPr lang="es-ES" sz="2400" dirty="0">
-                <a:effectLst>
-                  <a:outerShdw blurRad="38100" dist="38100" dir="2700000" algn="tl">
-                    <a:srgbClr val="000000">
-                      <a:alpha val="43137"/>
-                    </a:srgbClr>
-                  </a:outerShdw>
-                </a:effectLst>
-              </a:rPr>
-              <a:t>Transformador</a:t>
-            </a:r>
-            <a:endParaRPr lang="es-ES" sz="2400" dirty="0" smtClean="0">
+            <a:r>
+              <a:rPr lang="en-US" sz="1600" b="1" dirty="0" smtClean="0"/>
+              <a:t>cesar.sinchiguano@uleam.edu.ec</a:t>
+            </a:r>
+            <a:endParaRPr lang="es-EC" sz="1600" b="1" i="1" dirty="0">
               <a:effectLst>
                 <a:outerShdw blurRad="38100" dist="38100" dir="2700000" algn="tl">
                   <a:srgbClr val="000000">
@@ -15625,282 +15590,103 @@
               </a:effectLst>
             </a:endParaRPr>
           </a:p>
-          <a:p>
-            <a:pPr algn="l"/>
-            <a:r>
-              <a:rPr lang="es-ES" sz="2400" dirty="0" err="1" smtClean="0">
-                <a:effectLst>
-                  <a:outerShdw blurRad="38100" dist="38100" dir="2700000" algn="tl">
-                    <a:srgbClr val="000000">
-                      <a:alpha val="43137"/>
-                    </a:srgbClr>
-                  </a:outerShdw>
-                </a:effectLst>
-              </a:rPr>
-              <a:t>Iluminacion</a:t>
-            </a:r>
-            <a:r>
-              <a:rPr lang="es-ES" sz="2400" dirty="0" smtClean="0">
-                <a:effectLst>
-                  <a:outerShdw blurRad="38100" dist="38100" dir="2700000" algn="tl">
-                    <a:srgbClr val="000000">
-                      <a:alpha val="43137"/>
-                    </a:srgbClr>
-                  </a:outerShdw>
-                </a:effectLst>
-              </a:rPr>
-              <a:t> </a:t>
-            </a:r>
-          </a:p>
-          <a:p>
-            <a:pPr algn="l"/>
-            <a:r>
-              <a:rPr lang="es-ES" sz="2400" dirty="0" smtClean="0">
-                <a:effectLst>
-                  <a:outerShdw blurRad="38100" dist="38100" dir="2700000" algn="tl">
-                    <a:srgbClr val="000000">
-                      <a:alpha val="43137"/>
-                    </a:srgbClr>
-                  </a:outerShdw>
-                </a:effectLst>
-              </a:rPr>
-              <a:t>Robótica </a:t>
-            </a:r>
-          </a:p>
-          <a:p>
-            <a:pPr algn="l"/>
-            <a:r>
-              <a:rPr lang="es-ES" sz="2400" dirty="0" smtClean="0">
-                <a:effectLst>
-                  <a:outerShdw blurRad="38100" dist="38100" dir="2700000" algn="tl">
-                    <a:srgbClr val="000000">
-                      <a:alpha val="43137"/>
-                    </a:srgbClr>
-                  </a:outerShdw>
-                </a:effectLst>
-              </a:rPr>
-              <a:t>Maquinas CNC</a:t>
-            </a:r>
-          </a:p>
-          <a:p>
-            <a:pPr algn="l"/>
-            <a:r>
-              <a:rPr lang="es-ES" sz="2400" dirty="0" smtClean="0">
-                <a:effectLst>
-                  <a:outerShdw blurRad="38100" dist="38100" dir="2700000" algn="tl">
-                    <a:srgbClr val="000000">
-                      <a:alpha val="43137"/>
-                    </a:srgbClr>
-                  </a:outerShdw>
-                </a:effectLst>
-              </a:rPr>
-              <a:t>Transporte</a:t>
-            </a:r>
-          </a:p>
-          <a:p>
-            <a:pPr algn="l"/>
-            <a:r>
-              <a:rPr lang="es-ES" sz="2400" dirty="0" smtClean="0">
-                <a:effectLst>
-                  <a:outerShdw blurRad="38100" dist="38100" dir="2700000" algn="tl">
-                    <a:srgbClr val="000000">
-                      <a:alpha val="43137"/>
-                    </a:srgbClr>
-                  </a:outerShdw>
-                </a:effectLst>
-              </a:rPr>
-              <a:t>Industria</a:t>
-            </a:r>
-          </a:p>
-          <a:p>
-            <a:pPr algn="l"/>
-            <a:r>
-              <a:rPr lang="es-ES" sz="2400" dirty="0" smtClean="0">
-                <a:effectLst>
-                  <a:outerShdw blurRad="38100" dist="38100" dir="2700000" algn="tl">
-                    <a:srgbClr val="000000">
-                      <a:alpha val="43137"/>
-                    </a:srgbClr>
-                  </a:outerShdw>
-                </a:effectLst>
-              </a:rPr>
-              <a:t>Medicina</a:t>
-            </a:r>
-          </a:p>
-        </p:txBody>
-      </p:sp>
-      <p:pic>
-        <p:nvPicPr>
-          <p:cNvPr id="5" name="Imagen 4"/>
-          <p:cNvPicPr>
-            <a:picLocks noChangeAspect="1"/>
-          </p:cNvPicPr>
-          <p:nvPr/>
-        </p:nvPicPr>
-        <p:blipFill>
-          <a:blip r:embed="rId5">
-            <a:extLst>
-              <a:ext uri="{28A0092B-C50C-407E-A947-70E740481C1C}">
-                <a14:useLocalDpi xmlns:a14="http://schemas.microsoft.com/office/drawing/2010/main" val="0"/>
-              </a:ext>
-            </a:extLst>
-          </a:blip>
-          <a:stretch>
-            <a:fillRect/>
-          </a:stretch>
-        </p:blipFill>
-        <p:spPr>
-          <a:xfrm>
-            <a:off x="4927784" y="1606037"/>
-            <a:ext cx="3562350" cy="3562350"/>
-          </a:xfrm>
-          <a:prstGeom prst="rect">
-            <a:avLst/>
-          </a:prstGeom>
-        </p:spPr>
-      </p:pic>
-      <p:pic>
-        <p:nvPicPr>
-          <p:cNvPr id="15" name="Imagen 14"/>
-          <p:cNvPicPr>
-            <a:picLocks noChangeAspect="1"/>
-          </p:cNvPicPr>
-          <p:nvPr/>
-        </p:nvPicPr>
-        <p:blipFill>
-          <a:blip r:embed="rId6" cstate="print">
-            <a:extLst>
-              <a:ext uri="{28A0092B-C50C-407E-A947-70E740481C1C}">
-                <a14:useLocalDpi xmlns:a14="http://schemas.microsoft.com/office/drawing/2010/main" val="0"/>
-              </a:ext>
-            </a:extLst>
-          </a:blip>
-          <a:stretch>
-            <a:fillRect/>
-          </a:stretch>
-        </p:blipFill>
-        <p:spPr>
-          <a:xfrm>
-            <a:off x="399908" y="4533586"/>
-            <a:ext cx="2659924" cy="1768528"/>
-          </a:xfrm>
-          <a:prstGeom prst="rect">
-            <a:avLst/>
-          </a:prstGeom>
-        </p:spPr>
-      </p:pic>
-      <p:sp>
-        <p:nvSpPr>
-          <p:cNvPr id="16" name="AutoShape 2" descr="Aplicaciones de los electroimanes en la medicina - Blog de Imanes - IMA"/>
-          <p:cNvSpPr>
-            <a:spLocks noChangeAspect="1" noChangeArrowheads="1"/>
+        </p:txBody>
+      </p:sp>
+      <p:sp>
+        <p:nvSpPr>
+          <p:cNvPr id="15" name="Título 2"/>
+          <p:cNvSpPr txBox="1">
+            <a:spLocks/>
           </p:cNvSpPr>
           <p:nvPr/>
         </p:nvSpPr>
-        <p:spPr bwMode="auto">
-          <a:xfrm>
-            <a:off x="155575" y="-144463"/>
-            <a:ext cx="304800" cy="304801"/>
-          </a:xfrm>
-          <a:prstGeom prst="rect">
-            <a:avLst/>
-          </a:prstGeom>
-          <a:noFill/>
-          <a:extLst>
-            <a:ext uri="{909E8E84-426E-40DD-AFC4-6F175D3DCCD1}">
-              <a14:hiddenFill xmlns:a14="http://schemas.microsoft.com/office/drawing/2010/main">
+        <p:spPr>
+          <a:xfrm>
+            <a:off x="2752366" y="960164"/>
+            <a:ext cx="2952328" cy="630896"/>
+          </a:xfrm>
+          <a:prstGeom prst="rect">
+            <a:avLst/>
+          </a:prstGeom>
+        </p:spPr>
+        <p:txBody>
+          <a:bodyPr vert="horz" lIns="91440" tIns="45720" rIns="91440" bIns="45720" rtlCol="0" anchor="b">
+            <a:noAutofit/>
+          </a:bodyPr>
+          <a:lstStyle>
+            <a:lvl1pPr algn="ctr" defTabSz="685800" rtl="0" eaLnBrk="1" latinLnBrk="0" hangingPunct="1">
+              <a:lnSpc>
+                <a:spcPct val="90000"/>
+              </a:lnSpc>
+              <a:spcBef>
+                <a:spcPct val="0"/>
+              </a:spcBef>
+              <a:buNone/>
+              <a:defRPr sz="4500" kern="1200">
                 <a:solidFill>
-                  <a:srgbClr val="FFFFFF"/>
+                  <a:schemeClr val="tx1"/>
                 </a:solidFill>
-              </a14:hiddenFill>
-            </a:ext>
-          </a:extLst>
-        </p:spPr>
-        <p:txBody>
-          <a:bodyPr vert="horz" wrap="square" lIns="91440" tIns="45720" rIns="91440" bIns="45720" numCol="1" anchor="t" anchorCtr="0" compatLnSpc="1">
-            <a:prstTxWarp prst="textNoShape">
-              <a:avLst/>
-            </a:prstTxWarp>
+                <a:latin typeface="+mj-lt"/>
+                <a:ea typeface="+mj-ea"/>
+                <a:cs typeface="+mj-cs"/>
+              </a:defRPr>
+            </a:lvl1pPr>
+          </a:lstStyle>
+          <a:p>
+            <a:r>
+              <a:rPr lang="es-ES" sz="4000" b="1" dirty="0" smtClean="0"/>
+              <a:t>Bibliografía</a:t>
+            </a:r>
+            <a:endParaRPr lang="es-EC" sz="4000" b="1" dirty="0"/>
+          </a:p>
+        </p:txBody>
+      </p:sp>
+      <p:sp>
+        <p:nvSpPr>
+          <p:cNvPr id="3" name="Rectángulo 2"/>
+          <p:cNvSpPr/>
+          <p:nvPr/>
+        </p:nvSpPr>
+        <p:spPr>
+          <a:xfrm>
+            <a:off x="192490" y="1647532"/>
+            <a:ext cx="8844006" cy="923330"/>
+          </a:xfrm>
+          <a:prstGeom prst="rect">
+            <a:avLst/>
+          </a:prstGeom>
+        </p:spPr>
+        <p:txBody>
+          <a:bodyPr wrap="square">
+            <a:spAutoFit/>
           </a:bodyPr>
           <a:lstStyle/>
           <a:p>
-            <a:endParaRPr lang="es-EC"/>
-          </a:p>
-        </p:txBody>
-      </p:sp>
-      <p:sp>
-        <p:nvSpPr>
-          <p:cNvPr id="17" name="AutoShape 4" descr="Aplicaciones de los electroimanes en la medicina - Blog de Imanes - IMA"/>
-          <p:cNvSpPr>
-            <a:spLocks noChangeAspect="1" noChangeArrowheads="1"/>
-          </p:cNvSpPr>
-          <p:nvPr/>
-        </p:nvSpPr>
-        <p:spPr bwMode="auto">
-          <a:xfrm>
-            <a:off x="307975" y="7937"/>
-            <a:ext cx="304800" cy="304801"/>
-          </a:xfrm>
-          <a:prstGeom prst="rect">
-            <a:avLst/>
-          </a:prstGeom>
-          <a:noFill/>
-          <a:extLst>
-            <a:ext uri="{909E8E84-426E-40DD-AFC4-6F175D3DCCD1}">
-              <a14:hiddenFill xmlns:a14="http://schemas.microsoft.com/office/drawing/2010/main">
-                <a:solidFill>
-                  <a:srgbClr val="FFFFFF"/>
-                </a:solidFill>
-              </a14:hiddenFill>
-            </a:ext>
-          </a:extLst>
-        </p:spPr>
-        <p:txBody>
-          <a:bodyPr vert="horz" wrap="square" lIns="91440" tIns="45720" rIns="91440" bIns="45720" numCol="1" anchor="t" anchorCtr="0" compatLnSpc="1">
-            <a:prstTxWarp prst="textNoShape">
-              <a:avLst/>
-            </a:prstTxWarp>
-          </a:bodyPr>
-          <a:lstStyle/>
-          <a:p>
-            <a:endParaRPr lang="es-EC"/>
-          </a:p>
-        </p:txBody>
-      </p:sp>
-      <p:pic>
-        <p:nvPicPr>
-          <p:cNvPr id="18" name="Imagen 17"/>
-          <p:cNvPicPr>
-            <a:picLocks noChangeAspect="1"/>
-          </p:cNvPicPr>
-          <p:nvPr/>
-        </p:nvPicPr>
-        <p:blipFill>
-          <a:blip r:embed="rId7">
-            <a:extLst>
-              <a:ext uri="{28A0092B-C50C-407E-A947-70E740481C1C}">
-                <a14:useLocalDpi xmlns:a14="http://schemas.microsoft.com/office/drawing/2010/main" val="0"/>
-              </a:ext>
-            </a:extLst>
-          </a:blip>
-          <a:stretch>
-            <a:fillRect/>
-          </a:stretch>
-        </p:blipFill>
-        <p:spPr>
-          <a:xfrm>
-            <a:off x="2647435" y="2916623"/>
-            <a:ext cx="1983567" cy="1492932"/>
-          </a:xfrm>
-          <a:prstGeom prst="rect">
-            <a:avLst/>
-          </a:prstGeom>
-        </p:spPr>
-      </p:pic>
+            <a:pPr marL="285750" indent="-285750">
+              <a:buFont typeface="Arial" panose="020B0604020202020204" pitchFamily="34" charset="0"/>
+              <a:buChar char="•"/>
+            </a:pPr>
+            <a:r>
+              <a:rPr lang="es-EC" dirty="0" smtClean="0"/>
+              <a:t>Instalaciones eléctricas en viviendas</a:t>
+            </a:r>
+          </a:p>
+          <a:p>
+            <a:r>
+              <a:rPr lang="es-EC" dirty="0" smtClean="0"/>
+              <a:t>Link:  https</a:t>
+            </a:r>
+            <a:r>
+              <a:rPr lang="es-EC" dirty="0"/>
+              <a:t>://blogsaverroes.juntadeandalucia.es/iesbellavista/files/2016/05/Instalaciones-el%C3%A9ctricas-en-viviendas-15-16-apuntes.pdf</a:t>
+            </a:r>
+          </a:p>
+        </p:txBody>
+      </p:sp>
     </p:spTree>
     <p:extLst>
       <p:ext uri="{BB962C8B-B14F-4D97-AF65-F5344CB8AC3E}">
-        <p14:creationId xmlns:p14="http://schemas.microsoft.com/office/powerpoint/2010/main" val="2347936420"/>
+        <p14:creationId xmlns:p14="http://schemas.microsoft.com/office/powerpoint/2010/main" val="2922060554"/>
       </p:ext>
     </p:extLst>
   </p:cSld>
@@ -15934,6 +15720,74 @@
           <a:chExt cx="0" cy="0"/>
         </a:xfrm>
       </p:grpSpPr>
+      <p:sp>
+        <p:nvSpPr>
+          <p:cNvPr id="2" name="Título 1"/>
+          <p:cNvSpPr>
+            <a:spLocks noGrp="1"/>
+          </p:cNvSpPr>
+          <p:nvPr>
+            <p:ph type="title"/>
+          </p:nvPr>
+        </p:nvSpPr>
+        <p:spPr/>
+        <p:txBody>
+          <a:bodyPr/>
+          <a:lstStyle/>
+          <a:p>
+            <a:endParaRPr lang="es-EC"/>
+          </a:p>
+        </p:txBody>
+      </p:sp>
+      <p:sp>
+        <p:nvSpPr>
+          <p:cNvPr id="3" name="Marcador de contenido 2"/>
+          <p:cNvSpPr>
+            <a:spLocks noGrp="1"/>
+          </p:cNvSpPr>
+          <p:nvPr>
+            <p:ph idx="1"/>
+          </p:nvPr>
+        </p:nvSpPr>
+        <p:spPr/>
+        <p:txBody>
+          <a:bodyPr/>
+          <a:lstStyle/>
+          <a:p>
+            <a:endParaRPr lang="es-EC"/>
+          </a:p>
+        </p:txBody>
+      </p:sp>
+    </p:spTree>
+    <p:extLst>
+      <p:ext uri="{BB962C8B-B14F-4D97-AF65-F5344CB8AC3E}">
+        <p14:creationId xmlns:p14="http://schemas.microsoft.com/office/powerpoint/2010/main" val="3179289458"/>
+      </p:ext>
+    </p:extLst>
+  </p:cSld>
+  <p:clrMapOvr>
+    <a:masterClrMapping/>
+  </p:clrMapOvr>
+</p:sld>
+</file>
+
+<file path=ppt/slides/slide36.xml><?xml version="1.0" encoding="utf-8"?>
+<p:sld xmlns:a="http://schemas.openxmlformats.org/drawingml/2006/main" xmlns:r="http://schemas.openxmlformats.org/officeDocument/2006/relationships" xmlns:p="http://schemas.openxmlformats.org/presentationml/2006/main">
+  <p:cSld>
+    <p:spTree>
+      <p:nvGrpSpPr>
+        <p:cNvPr id="1" name=""/>
+        <p:cNvGrpSpPr/>
+        <p:nvPr/>
+      </p:nvGrpSpPr>
+      <p:grpSpPr>
+        <a:xfrm>
+          <a:off x="0" y="0"/>
+          <a:ext cx="0" cy="0"/>
+          <a:chOff x="0" y="0"/>
+          <a:chExt cx="0" cy="0"/>
+        </a:xfrm>
+      </p:grpSpPr>
       <p:pic>
         <p:nvPicPr>
           <p:cNvPr id="7" name="6 Imagen"/>
@@ -16058,41 +15912,7 @@
       </p:pic>
       <p:sp>
         <p:nvSpPr>
-          <p:cNvPr id="6" name="15 CuadroTexto"/>
-          <p:cNvSpPr txBox="1"/>
-          <p:nvPr/>
-        </p:nvSpPr>
-        <p:spPr>
-          <a:xfrm>
-            <a:off x="402924" y="97658"/>
-            <a:ext cx="4752528" cy="276999"/>
-          </a:xfrm>
-          <a:prstGeom prst="rect">
-            <a:avLst/>
-          </a:prstGeom>
-          <a:noFill/>
-        </p:spPr>
-        <p:txBody>
-          <a:bodyPr wrap="square" rtlCol="0">
-            <a:spAutoFit/>
-          </a:bodyPr>
-          <a:lstStyle/>
-          <a:p>
-            <a:r>
-              <a:rPr lang="es-EC" sz="1200" i="1" dirty="0" smtClean="0"/>
-              <a:t>#</a:t>
-            </a:r>
-            <a:r>
-              <a:rPr lang="es-EC" sz="1200" i="1" dirty="0" err="1" smtClean="0"/>
-              <a:t>UleamEnBuenasManos</a:t>
-            </a:r>
-            <a:endParaRPr lang="es-EC" sz="1200" i="1" dirty="0"/>
-          </a:p>
-        </p:txBody>
-      </p:sp>
-      <p:sp>
-        <p:nvSpPr>
-          <p:cNvPr id="12" name="Título 3"/>
+          <p:cNvPr id="4" name="Título 3"/>
           <p:cNvSpPr>
             <a:spLocks noGrp="1"/>
           </p:cNvSpPr>
@@ -16102,8 +15922,8 @@
         </p:nvSpPr>
         <p:spPr>
           <a:xfrm>
-            <a:off x="1225489" y="562880"/>
-            <a:ext cx="6048672" cy="1154781"/>
+            <a:off x="1467094" y="374657"/>
+            <a:ext cx="6489282" cy="1231906"/>
           </a:xfrm>
         </p:spPr>
         <p:txBody>
@@ -16122,7 +15942,7 @@
                   </a:outerShdw>
                 </a:effectLst>
               </a:rPr>
-              <a:t>Unidades eléctricas y equivalencias</a:t>
+              <a:t>Aplicaciones de la electricidad</a:t>
             </a:r>
             <a:endParaRPr lang="es-EC" sz="4400" b="1" i="1" dirty="0">
               <a:effectLst>
@@ -16136,92 +15956,152 @@
           </a:p>
         </p:txBody>
       </p:sp>
+      <p:sp>
+        <p:nvSpPr>
+          <p:cNvPr id="6" name="15 CuadroTexto"/>
+          <p:cNvSpPr txBox="1"/>
+          <p:nvPr/>
+        </p:nvSpPr>
+        <p:spPr>
+          <a:xfrm>
+            <a:off x="402924" y="97658"/>
+            <a:ext cx="4752528" cy="276999"/>
+          </a:xfrm>
+          <a:prstGeom prst="rect">
+            <a:avLst/>
+          </a:prstGeom>
+          <a:noFill/>
+        </p:spPr>
+        <p:txBody>
+          <a:bodyPr wrap="square" rtlCol="0">
+            <a:spAutoFit/>
+          </a:bodyPr>
+          <a:lstStyle/>
+          <a:p>
+            <a:r>
+              <a:rPr lang="es-EC" sz="1200" i="1" dirty="0" smtClean="0"/>
+              <a:t>#</a:t>
+            </a:r>
+            <a:r>
+              <a:rPr lang="es-EC" sz="1200" i="1" dirty="0" err="1" smtClean="0"/>
+              <a:t>UleamEnBuenasManos</a:t>
+            </a:r>
+            <a:endParaRPr lang="es-EC" sz="1200" i="1" dirty="0"/>
+          </a:p>
+        </p:txBody>
+      </p:sp>
+      <p:sp>
+        <p:nvSpPr>
+          <p:cNvPr id="13" name="Rectángulo 12"/>
+          <p:cNvSpPr/>
+          <p:nvPr/>
+        </p:nvSpPr>
+        <p:spPr>
+          <a:xfrm>
+            <a:off x="402924" y="2276872"/>
+            <a:ext cx="8137926" cy="2031325"/>
+          </a:xfrm>
+          <a:prstGeom prst="rect">
+            <a:avLst/>
+          </a:prstGeom>
+        </p:spPr>
+        <p:txBody>
+          <a:bodyPr wrap="square">
+            <a:spAutoFit/>
+          </a:bodyPr>
+          <a:lstStyle/>
+          <a:p>
+            <a:pPr algn="just"/>
+            <a:r>
+              <a:rPr lang="es-ES" dirty="0" smtClean="0"/>
+              <a:t>El motor eléctrico es un dispositivo que transforma la energía eléctrica en energía mecánica por medio de la acción de los campos magnéticos generados en sus bobinas.</a:t>
+            </a:r>
+          </a:p>
+          <a:p>
+            <a:pPr algn="just"/>
+            <a:r>
+              <a:rPr lang="es-ES" dirty="0" smtClean="0"/>
+              <a:t>Son maquinas rotatorias utilizadas en infinidad de sectores tales como instalaciones industriales, comerciales, particulares. Su uso esta generalizado en ventiladores, vibradores para teléfonos móviles, bombas, electroválvulas y medios de transporte eléctrico, etc.</a:t>
+            </a:r>
+          </a:p>
+        </p:txBody>
+      </p:sp>
+      <p:sp>
+        <p:nvSpPr>
+          <p:cNvPr id="10" name="Título 3"/>
+          <p:cNvSpPr txBox="1">
+            <a:spLocks/>
+          </p:cNvSpPr>
+          <p:nvPr/>
+        </p:nvSpPr>
+        <p:spPr>
+          <a:xfrm>
+            <a:off x="402924" y="1700808"/>
+            <a:ext cx="2224860" cy="576064"/>
+          </a:xfrm>
+          <a:prstGeom prst="rect">
+            <a:avLst/>
+          </a:prstGeom>
+        </p:spPr>
+        <p:txBody>
+          <a:bodyPr vert="horz" lIns="91440" tIns="45720" rIns="91440" bIns="45720" rtlCol="0" anchor="b">
+            <a:noAutofit/>
+          </a:bodyPr>
+          <a:lstStyle>
+            <a:lvl1pPr algn="ctr" defTabSz="685800" rtl="0" eaLnBrk="1" latinLnBrk="0" hangingPunct="1">
+              <a:lnSpc>
+                <a:spcPct val="90000"/>
+              </a:lnSpc>
+              <a:spcBef>
+                <a:spcPct val="0"/>
+              </a:spcBef>
+              <a:buNone/>
+              <a:defRPr sz="4500" kern="1200">
+                <a:solidFill>
+                  <a:schemeClr val="tx1"/>
+                </a:solidFill>
+                <a:latin typeface="+mj-lt"/>
+                <a:ea typeface="+mj-ea"/>
+                <a:cs typeface="+mj-cs"/>
+              </a:defRPr>
+            </a:lvl1pPr>
+          </a:lstStyle>
+          <a:p>
+            <a:pPr algn="l"/>
+            <a:r>
+              <a:rPr lang="es-ES" sz="2400" dirty="0" smtClean="0">
+                <a:effectLst>
+                  <a:outerShdw blurRad="38100" dist="38100" dir="2700000" algn="tl">
+                    <a:srgbClr val="000000">
+                      <a:alpha val="43137"/>
+                    </a:srgbClr>
+                  </a:outerShdw>
+                </a:effectLst>
+              </a:rPr>
+              <a:t>Motor eléctrico</a:t>
+            </a:r>
+            <a:endParaRPr lang="es-EC" sz="2400" b="1" i="1" dirty="0">
+              <a:effectLst>
+                <a:outerShdw blurRad="38100" dist="38100" dir="2700000" algn="tl">
+                  <a:srgbClr val="000000">
+                    <a:alpha val="43137"/>
+                  </a:srgbClr>
+                </a:outerShdw>
+              </a:effectLst>
+            </a:endParaRPr>
+          </a:p>
+        </p:txBody>
+      </p:sp>
       <p:pic>
         <p:nvPicPr>
-          <p:cNvPr id="1026" name="Picture 2" descr="▷ Unidades Eléctricas de Medida + 【 Tablas 】 | Ingtelecto"/>
+          <p:cNvPr id="9" name="Imagen 8"/>
           <p:cNvPicPr>
-            <a:picLocks noChangeAspect="1" noChangeArrowheads="1"/>
+            <a:picLocks noChangeAspect="1"/>
           </p:cNvPicPr>
           <p:nvPr/>
         </p:nvPicPr>
         <p:blipFill>
-          <a:blip r:embed="rId4">
-            <a:extLst>
-              <a:ext uri="{28A0092B-C50C-407E-A947-70E740481C1C}">
-                <a14:useLocalDpi xmlns:a14="http://schemas.microsoft.com/office/drawing/2010/main" val="0"/>
-              </a:ext>
-            </a:extLst>
-          </a:blip>
-          <a:srcRect/>
-          <a:stretch>
-            <a:fillRect/>
-          </a:stretch>
-        </p:blipFill>
-        <p:spPr bwMode="auto">
-          <a:xfrm>
-            <a:off x="779490" y="1725564"/>
-            <a:ext cx="7567896" cy="3543103"/>
-          </a:xfrm>
-          <a:prstGeom prst="rect">
-            <a:avLst/>
-          </a:prstGeom>
-          <a:noFill/>
-          <a:extLst>
-            <a:ext uri="{909E8E84-426E-40DD-AFC4-6F175D3DCCD1}">
-              <a14:hiddenFill xmlns:a14="http://schemas.microsoft.com/office/drawing/2010/main">
-                <a:solidFill>
-                  <a:srgbClr val="FFFFFF"/>
-                </a:solidFill>
-              </a14:hiddenFill>
-            </a:ext>
-          </a:extLst>
-        </p:spPr>
-      </p:pic>
-    </p:spTree>
-    <p:extLst>
-      <p:ext uri="{BB962C8B-B14F-4D97-AF65-F5344CB8AC3E}">
-        <p14:creationId xmlns:p14="http://schemas.microsoft.com/office/powerpoint/2010/main" val="4000952437"/>
-      </p:ext>
-    </p:extLst>
-  </p:cSld>
-  <p:clrMapOvr>
-    <a:masterClrMapping/>
-  </p:clrMapOvr>
-  <p:timing>
-    <p:tnLst>
-      <p:par>
-        <p:cTn id="1" dur="indefinite" restart="never" nodeType="tmRoot"/>
-      </p:par>
-    </p:tnLst>
-  </p:timing>
-</p:sld>
-</file>
-
-<file path=ppt/slides/slide36.xml><?xml version="1.0" encoding="utf-8"?>
-<p:sld xmlns:a="http://schemas.openxmlformats.org/drawingml/2006/main" xmlns:r="http://schemas.openxmlformats.org/officeDocument/2006/relationships" xmlns:p="http://schemas.openxmlformats.org/presentationml/2006/main">
-  <p:cSld>
-    <p:spTree>
-      <p:nvGrpSpPr>
-        <p:cNvPr id="1" name=""/>
-        <p:cNvGrpSpPr/>
-        <p:nvPr/>
-      </p:nvGrpSpPr>
-      <p:grpSpPr>
-        <a:xfrm>
-          <a:off x="0" y="0"/>
-          <a:ext cx="0" cy="0"/>
-          <a:chOff x="0" y="0"/>
-          <a:chExt cx="0" cy="0"/>
-        </a:xfrm>
-      </p:grpSpPr>
-      <p:pic>
-        <p:nvPicPr>
-          <p:cNvPr id="7" name="6 Imagen"/>
-          <p:cNvPicPr/>
-          <p:nvPr/>
-        </p:nvPicPr>
-        <p:blipFill>
-          <a:blip r:embed="rId2">
+          <a:blip r:embed="rId4" cstate="print">
             <a:extLst>
               <a:ext uri="{28A0092B-C50C-407E-A947-70E740481C1C}">
                 <a14:useLocalDpi xmlns:a14="http://schemas.microsoft.com/office/drawing/2010/main" val="0"/>
@@ -16234,234 +16114,19 @@
         </p:blipFill>
         <p:spPr>
           <a:xfrm>
-            <a:off x="0" y="5229200"/>
-            <a:ext cx="9126876" cy="1556792"/>
-          </a:xfrm>
-          <a:prstGeom prst="rect">
-            <a:avLst/>
-          </a:prstGeom>
-        </p:spPr>
-      </p:pic>
-      <p:sp>
-        <p:nvSpPr>
-          <p:cNvPr id="8" name="Rectángulo 7"/>
-          <p:cNvSpPr/>
-          <p:nvPr/>
-        </p:nvSpPr>
-        <p:spPr>
-          <a:xfrm>
-            <a:off x="0" y="381804"/>
-            <a:ext cx="4563438" cy="45719"/>
-          </a:xfrm>
-          <a:prstGeom prst="rect">
-            <a:avLst/>
-          </a:prstGeom>
-          <a:solidFill>
-            <a:srgbClr val="FF0000"/>
-          </a:solidFill>
-          <a:ln>
-            <a:noFill/>
-          </a:ln>
-          <a:effectLst>
-            <a:outerShdw blurRad="44450" dist="27940" dir="5400000" algn="ctr">
-              <a:srgbClr val="000000">
-                <a:alpha val="32000"/>
-              </a:srgbClr>
-            </a:outerShdw>
-          </a:effectLst>
-          <a:scene3d>
-            <a:camera prst="orthographicFront">
-              <a:rot lat="0" lon="0" rev="0"/>
-            </a:camera>
-            <a:lightRig rig="balanced" dir="t">
-              <a:rot lat="0" lon="0" rev="8700000"/>
-            </a:lightRig>
-          </a:scene3d>
-          <a:sp3d>
-            <a:bevelT w="190500" h="38100"/>
-          </a:sp3d>
-        </p:spPr>
-        <p:style>
-          <a:lnRef idx="2">
-            <a:schemeClr val="accent1">
-              <a:shade val="50000"/>
-            </a:schemeClr>
-          </a:lnRef>
-          <a:fillRef idx="1">
-            <a:schemeClr val="accent1"/>
-          </a:fillRef>
-          <a:effectRef idx="0">
-            <a:schemeClr val="accent1"/>
-          </a:effectRef>
-          <a:fontRef idx="minor">
-            <a:schemeClr val="lt1"/>
-          </a:fontRef>
-        </p:style>
-        <p:txBody>
-          <a:bodyPr rtlCol="0" anchor="ctr"/>
-          <a:lstStyle/>
-          <a:p>
-            <a:pPr algn="ctr"/>
-            <a:endParaRPr lang="es-EC"/>
-          </a:p>
-        </p:txBody>
-      </p:sp>
-      <p:pic>
-        <p:nvPicPr>
-          <p:cNvPr id="2" name="Imagen 1">
-            <a:extLst>
-              <a:ext uri="{FF2B5EF4-FFF2-40B4-BE49-F238E27FC236}">
-                <a16:creationId xmlns:a16="http://schemas.microsoft.com/office/drawing/2014/main" id="{0FEA6DE7-B9BD-4547-89A5-27816310CDF2}"/>
-              </a:ext>
-            </a:extLst>
-          </p:cNvPr>
-          <p:cNvPicPr>
-            <a:picLocks noChangeAspect="1"/>
-          </p:cNvPicPr>
-          <p:nvPr/>
-        </p:nvPicPr>
-        <p:blipFill>
-          <a:blip r:embed="rId3"/>
-          <a:stretch>
-            <a:fillRect/>
-          </a:stretch>
-        </p:blipFill>
-        <p:spPr>
-          <a:xfrm>
-            <a:off x="7807323" y="99424"/>
-            <a:ext cx="1365622" cy="804742"/>
-          </a:xfrm>
-          <a:prstGeom prst="rect">
-            <a:avLst/>
-          </a:prstGeom>
-        </p:spPr>
-      </p:pic>
-      <p:sp>
-        <p:nvSpPr>
-          <p:cNvPr id="6" name="15 CuadroTexto"/>
-          <p:cNvSpPr txBox="1"/>
-          <p:nvPr/>
-        </p:nvSpPr>
-        <p:spPr>
-          <a:xfrm>
-            <a:off x="402924" y="97658"/>
-            <a:ext cx="4752528" cy="276999"/>
-          </a:xfrm>
-          <a:prstGeom prst="rect">
-            <a:avLst/>
-          </a:prstGeom>
-          <a:noFill/>
-        </p:spPr>
-        <p:txBody>
-          <a:bodyPr wrap="square" rtlCol="0">
-            <a:spAutoFit/>
-          </a:bodyPr>
-          <a:lstStyle/>
-          <a:p>
-            <a:r>
-              <a:rPr lang="es-EC" sz="1200" i="1" dirty="0" smtClean="0"/>
-              <a:t>#</a:t>
-            </a:r>
-            <a:r>
-              <a:rPr lang="es-EC" sz="1200" i="1" dirty="0" err="1" smtClean="0"/>
-              <a:t>UleamEnBuenasManos</a:t>
-            </a:r>
-            <a:endParaRPr lang="es-EC" sz="1200" i="1" dirty="0"/>
-          </a:p>
-        </p:txBody>
-      </p:sp>
-      <p:sp>
-        <p:nvSpPr>
-          <p:cNvPr id="12" name="Título 3"/>
-          <p:cNvSpPr>
-            <a:spLocks noGrp="1"/>
-          </p:cNvSpPr>
-          <p:nvPr>
-            <p:ph type="ctrTitle"/>
-          </p:nvPr>
-        </p:nvSpPr>
-        <p:spPr>
-          <a:xfrm>
-            <a:off x="1225489" y="562880"/>
-            <a:ext cx="6048672" cy="1154781"/>
-          </a:xfrm>
-        </p:spPr>
-        <p:txBody>
-          <a:bodyPr>
-            <a:noAutofit/>
-          </a:bodyPr>
-          <a:lstStyle/>
-          <a:p>
-            <a:r>
-              <a:rPr lang="es-ES" sz="4000" dirty="0" smtClean="0">
-                <a:effectLst>
-                  <a:outerShdw blurRad="38100" dist="38100" dir="2700000" algn="tl">
-                    <a:srgbClr val="000000">
-                      <a:alpha val="43137"/>
-                    </a:srgbClr>
-                  </a:outerShdw>
-                </a:effectLst>
-              </a:rPr>
-              <a:t>Unidades eléctricas y equivalencias</a:t>
-            </a:r>
-            <a:endParaRPr lang="es-EC" sz="4400" b="1" i="1" dirty="0">
-              <a:effectLst>
-                <a:outerShdw blurRad="38100" dist="38100" dir="2700000" algn="tl">
-                  <a:srgbClr val="000000">
-                    <a:alpha val="43137"/>
-                  </a:srgbClr>
-                </a:outerShdw>
-              </a:effectLst>
-            </a:endParaRPr>
-          </a:p>
-        </p:txBody>
-      </p:sp>
-      <p:pic>
-        <p:nvPicPr>
-          <p:cNvPr id="2052" name="Picture 4" descr="3. Magnitudes eléctricas básicas. - 2º FPB Inf y Com Fran Ruiz"/>
-          <p:cNvPicPr>
-            <a:picLocks noChangeAspect="1" noChangeArrowheads="1"/>
-          </p:cNvPicPr>
-          <p:nvPr/>
-        </p:nvPicPr>
-        <p:blipFill>
-          <a:blip r:embed="rId4">
-            <a:extLst>
-              <a:ext uri="{28A0092B-C50C-407E-A947-70E740481C1C}">
-                <a14:useLocalDpi xmlns:a14="http://schemas.microsoft.com/office/drawing/2010/main" val="0"/>
-              </a:ext>
-            </a:extLst>
-          </a:blip>
-          <a:srcRect/>
-          <a:stretch>
-            <a:fillRect/>
-          </a:stretch>
-        </p:blipFill>
-        <p:spPr bwMode="auto">
-          <a:xfrm>
-            <a:off x="408486" y="1853018"/>
-            <a:ext cx="5276850" cy="3238501"/>
-          </a:xfrm>
-          <a:prstGeom prst="rect">
-            <a:avLst/>
-          </a:prstGeom>
-          <a:noFill/>
-          <a:extLst>
-            <a:ext uri="{909E8E84-426E-40DD-AFC4-6F175D3DCCD1}">
-              <a14:hiddenFill xmlns:a14="http://schemas.microsoft.com/office/drawing/2010/main">
-                <a:solidFill>
-                  <a:srgbClr val="FFFFFF"/>
-                </a:solidFill>
-              </a14:hiddenFill>
-            </a:ext>
-          </a:extLst>
+            <a:off x="6982174" y="4176328"/>
+            <a:ext cx="1979462" cy="1415866"/>
+          </a:xfrm>
+          <a:prstGeom prst="rect">
+            <a:avLst/>
+          </a:prstGeom>
         </p:spPr>
       </p:pic>
       <p:pic>
         <p:nvPicPr>
-          <p:cNvPr id="2054" name="Picture 6" descr="Prefijos del Sistema Internacional | School motivation, Mega m, Periodic  table"/>
+          <p:cNvPr id="11" name="Imagen 10"/>
           <p:cNvPicPr>
-            <a:picLocks noChangeAspect="1" noChangeArrowheads="1"/>
+            <a:picLocks noChangeAspect="1"/>
           </p:cNvPicPr>
           <p:nvPr/>
         </p:nvPicPr>
@@ -16473,35 +16138,54 @@
               </a:ext>
             </a:extLst>
           </a:blip>
-          <a:srcRect/>
           <a:stretch>
             <a:fillRect/>
           </a:stretch>
         </p:blipFill>
-        <p:spPr bwMode="auto">
-          <a:xfrm>
-            <a:off x="5292080" y="1526323"/>
-            <a:ext cx="3024336" cy="3782021"/>
-          </a:xfrm>
-          <a:prstGeom prst="rect">
-            <a:avLst/>
-          </a:prstGeom>
-          <a:noFill/>
-          <a:extLst>
-            <a:ext uri="{909E8E84-426E-40DD-AFC4-6F175D3DCCD1}">
-              <a14:hiddenFill xmlns:a14="http://schemas.microsoft.com/office/drawing/2010/main">
-                <a:solidFill>
-                  <a:srgbClr val="FFFFFF"/>
-                </a:solidFill>
-              </a14:hiddenFill>
-            </a:ext>
-          </a:extLst>
+        <p:spPr>
+          <a:xfrm>
+            <a:off x="5004048" y="4176328"/>
+            <a:ext cx="1887821" cy="1415866"/>
+          </a:xfrm>
+          <a:prstGeom prst="rect">
+            <a:avLst/>
+          </a:prstGeom>
+        </p:spPr>
+      </p:pic>
+      <p:pic>
+        <p:nvPicPr>
+          <p:cNvPr id="12" name="Imagen 11"/>
+          <p:cNvPicPr>
+            <a:picLocks noChangeAspect="1"/>
+          </p:cNvPicPr>
+          <p:nvPr/>
+        </p:nvPicPr>
+        <p:blipFill>
+          <a:blip r:embed="rId6" cstate="print">
+            <a:extLst>
+              <a:ext uri="{28A0092B-C50C-407E-A947-70E740481C1C}">
+                <a14:useLocalDpi xmlns:a14="http://schemas.microsoft.com/office/drawing/2010/main" val="0"/>
+              </a:ext>
+            </a:extLst>
+          </a:blip>
+          <a:stretch>
+            <a:fillRect/>
+          </a:stretch>
+        </p:blipFill>
+        <p:spPr>
+          <a:xfrm>
+            <a:off x="530892" y="4381190"/>
+            <a:ext cx="2569666" cy="1928130"/>
+          </a:xfrm>
+          <a:prstGeom prst="rect">
+            <a:avLst/>
+          </a:prstGeom>
         </p:spPr>
       </p:pic>
     </p:spTree>
     <p:extLst>
       <p:ext uri="{BB962C8B-B14F-4D97-AF65-F5344CB8AC3E}">
-        <p14:creationId xmlns:p14="http://schemas.microsoft.com/office/powerpoint/2010/main" val="4261493397"/>
+        <p14:creationId xmlns:p14="http://schemas.microsoft.com/office/powerpoint/2010/main" val="1823982096"/>
       </p:ext>
     </p:extLst>
   </p:cSld>
@@ -16555,7 +16239,7 @@
         </p:blipFill>
         <p:spPr>
           <a:xfrm>
-            <a:off x="0" y="5229200"/>
+            <a:off x="0" y="5230294"/>
             <a:ext cx="9126876" cy="1556792"/>
           </a:xfrm>
           <a:prstGeom prst="rect">
@@ -16659,41 +16343,7 @@
       </p:pic>
       <p:sp>
         <p:nvSpPr>
-          <p:cNvPr id="6" name="15 CuadroTexto"/>
-          <p:cNvSpPr txBox="1"/>
-          <p:nvPr/>
-        </p:nvSpPr>
-        <p:spPr>
-          <a:xfrm>
-            <a:off x="402924" y="97658"/>
-            <a:ext cx="4752528" cy="276999"/>
-          </a:xfrm>
-          <a:prstGeom prst="rect">
-            <a:avLst/>
-          </a:prstGeom>
-          <a:noFill/>
-        </p:spPr>
-        <p:txBody>
-          <a:bodyPr wrap="square" rtlCol="0">
-            <a:spAutoFit/>
-          </a:bodyPr>
-          <a:lstStyle/>
-          <a:p>
-            <a:r>
-              <a:rPr lang="es-EC" sz="1200" i="1" dirty="0" smtClean="0"/>
-              <a:t>#</a:t>
-            </a:r>
-            <a:r>
-              <a:rPr lang="es-EC" sz="1200" i="1" dirty="0" err="1" smtClean="0"/>
-              <a:t>UleamEnBuenasManos</a:t>
-            </a:r>
-            <a:endParaRPr lang="es-EC" sz="1200" i="1" dirty="0"/>
-          </a:p>
-        </p:txBody>
-      </p:sp>
-      <p:sp>
-        <p:nvSpPr>
-          <p:cNvPr id="12" name="Título 3"/>
+          <p:cNvPr id="4" name="Título 3"/>
           <p:cNvSpPr>
             <a:spLocks noGrp="1"/>
           </p:cNvSpPr>
@@ -16703,8 +16353,8 @@
         </p:nvSpPr>
         <p:spPr>
           <a:xfrm>
-            <a:off x="1225489" y="562880"/>
-            <a:ext cx="6048672" cy="1154781"/>
+            <a:off x="1467094" y="374657"/>
+            <a:ext cx="6489282" cy="1231906"/>
           </a:xfrm>
         </p:spPr>
         <p:txBody>
@@ -16723,7 +16373,7 @@
                   </a:outerShdw>
                 </a:effectLst>
               </a:rPr>
-              <a:t>Circuito eléctrico </a:t>
+              <a:t>Aplicaciones de la electricidad</a:t>
             </a:r>
             <a:endParaRPr lang="es-EC" sz="4400" b="1" i="1" dirty="0">
               <a:effectLst>
@@ -16739,132 +16389,408 @@
       </p:sp>
       <p:sp>
         <p:nvSpPr>
-          <p:cNvPr id="20" name="Rectángulo 19"/>
-          <p:cNvSpPr/>
-          <p:nvPr/>
-        </p:nvSpPr>
-        <p:spPr>
-          <a:xfrm>
-            <a:off x="310356" y="1761309"/>
-            <a:ext cx="8506164" cy="646331"/>
-          </a:xfrm>
-          <a:prstGeom prst="rect">
-            <a:avLst/>
-          </a:prstGeom>
-        </p:spPr>
-        <p:txBody>
-          <a:bodyPr wrap="square">
+          <p:cNvPr id="6" name="15 CuadroTexto"/>
+          <p:cNvSpPr txBox="1"/>
+          <p:nvPr/>
+        </p:nvSpPr>
+        <p:spPr>
+          <a:xfrm>
+            <a:off x="402924" y="97658"/>
+            <a:ext cx="4752528" cy="276999"/>
+          </a:xfrm>
+          <a:prstGeom prst="rect">
+            <a:avLst/>
+          </a:prstGeom>
+          <a:noFill/>
+        </p:spPr>
+        <p:txBody>
+          <a:bodyPr wrap="square" rtlCol="0">
             <a:spAutoFit/>
           </a:bodyPr>
           <a:lstStyle/>
           <a:p>
-            <a:pPr algn="just"/>
-            <a:r>
-              <a:rPr lang="es-ES" dirty="0" smtClean="0"/>
-              <a:t>Conjunto de operadores unidos de tal forma que permitan el paso o circulación de la corriente eléctrica para conseguir algún efecto útil (luz, calor movimiento, etc.)</a:t>
-            </a:r>
-          </a:p>
-        </p:txBody>
-      </p:sp>
-      <p:sp>
-        <p:nvSpPr>
-          <p:cNvPr id="15" name="Rectángulo 14"/>
-          <p:cNvSpPr/>
-          <p:nvPr/>
-        </p:nvSpPr>
-        <p:spPr>
-          <a:xfrm>
-            <a:off x="310356" y="2660600"/>
-            <a:ext cx="8506164" cy="646331"/>
-          </a:xfrm>
-          <a:prstGeom prst="rect">
-            <a:avLst/>
-          </a:prstGeom>
-        </p:spPr>
-        <p:txBody>
-          <a:bodyPr wrap="square">
-            <a:spAutoFit/>
+            <a:r>
+              <a:rPr lang="es-EC" sz="1200" i="1" dirty="0" smtClean="0"/>
+              <a:t>#</a:t>
+            </a:r>
+            <a:r>
+              <a:rPr lang="es-EC" sz="1200" i="1" dirty="0" err="1" smtClean="0"/>
+              <a:t>UleamEnBuenasManos</a:t>
+            </a:r>
+            <a:endParaRPr lang="es-EC" sz="1200" i="1" dirty="0"/>
+          </a:p>
+        </p:txBody>
+      </p:sp>
+      <p:pic>
+        <p:nvPicPr>
+          <p:cNvPr id="3" name="Imagen 2"/>
+          <p:cNvPicPr>
+            <a:picLocks noChangeAspect="1"/>
+          </p:cNvPicPr>
+          <p:nvPr/>
+        </p:nvPicPr>
+        <p:blipFill>
+          <a:blip r:embed="rId4" cstate="print">
+            <a:extLst>
+              <a:ext uri="{28A0092B-C50C-407E-A947-70E740481C1C}">
+                <a14:useLocalDpi xmlns:a14="http://schemas.microsoft.com/office/drawing/2010/main" val="0"/>
+              </a:ext>
+            </a:extLst>
+          </a:blip>
+          <a:stretch>
+            <a:fillRect/>
+          </a:stretch>
+        </p:blipFill>
+        <p:spPr>
+          <a:xfrm>
+            <a:off x="2627784" y="1684717"/>
+            <a:ext cx="2003218" cy="1153752"/>
+          </a:xfrm>
+          <a:prstGeom prst="rect">
+            <a:avLst/>
+          </a:prstGeom>
+        </p:spPr>
+      </p:pic>
+      <p:sp>
+        <p:nvSpPr>
+          <p:cNvPr id="14" name="Título 3"/>
+          <p:cNvSpPr txBox="1">
+            <a:spLocks/>
+          </p:cNvSpPr>
+          <p:nvPr/>
+        </p:nvSpPr>
+        <p:spPr>
+          <a:xfrm>
+            <a:off x="402924" y="1602217"/>
+            <a:ext cx="2368876" cy="2396171"/>
+          </a:xfrm>
+          <a:prstGeom prst="rect">
+            <a:avLst/>
+          </a:prstGeom>
+        </p:spPr>
+        <p:txBody>
+          <a:bodyPr vert="horz" lIns="91440" tIns="45720" rIns="91440" bIns="45720" rtlCol="0" anchor="b">
+            <a:noAutofit/>
           </a:bodyPr>
-          <a:lstStyle/>
-          <a:p>
-            <a:pPr algn="just"/>
-            <a:r>
-              <a:rPr lang="es-ES" dirty="0" smtClean="0"/>
-              <a:t>Un circuito eléctrico es un recorrido cerrado cuyo fin es llevar energía eléctrica desde unos elementos que la producen hasta otros elementos que la consumen.</a:t>
-            </a:r>
-          </a:p>
-        </p:txBody>
-      </p:sp>
-      <p:sp>
-        <p:nvSpPr>
-          <p:cNvPr id="17" name="Rectángulo 16"/>
-          <p:cNvSpPr/>
-          <p:nvPr/>
-        </p:nvSpPr>
-        <p:spPr>
-          <a:xfrm>
-            <a:off x="310356" y="3530142"/>
-            <a:ext cx="8506164" cy="646331"/>
-          </a:xfrm>
-          <a:prstGeom prst="rect">
-            <a:avLst/>
-          </a:prstGeom>
-        </p:spPr>
-        <p:txBody>
-          <a:bodyPr wrap="square">
-            <a:spAutoFit/>
+          <a:lstStyle>
+            <a:lvl1pPr algn="ctr" defTabSz="685800" rtl="0" eaLnBrk="1" latinLnBrk="0" hangingPunct="1">
+              <a:lnSpc>
+                <a:spcPct val="90000"/>
+              </a:lnSpc>
+              <a:spcBef>
+                <a:spcPct val="0"/>
+              </a:spcBef>
+              <a:buNone/>
+              <a:defRPr sz="4500" kern="1200">
+                <a:solidFill>
+                  <a:schemeClr val="tx1"/>
+                </a:solidFill>
+                <a:latin typeface="+mj-lt"/>
+                <a:ea typeface="+mj-ea"/>
+                <a:cs typeface="+mj-cs"/>
+              </a:defRPr>
+            </a:lvl1pPr>
+          </a:lstStyle>
+          <a:p>
+            <a:pPr algn="l"/>
+            <a:r>
+              <a:rPr lang="es-ES" sz="2400" dirty="0">
+                <a:effectLst>
+                  <a:outerShdw blurRad="38100" dist="38100" dir="2700000" algn="tl">
+                    <a:srgbClr val="000000">
+                      <a:alpha val="43137"/>
+                    </a:srgbClr>
+                  </a:outerShdw>
+                </a:effectLst>
+              </a:rPr>
+              <a:t>Transformador</a:t>
+            </a:r>
+            <a:endParaRPr lang="es-ES" sz="2400" dirty="0" smtClean="0">
+              <a:effectLst>
+                <a:outerShdw blurRad="38100" dist="38100" dir="2700000" algn="tl">
+                  <a:srgbClr val="000000">
+                    <a:alpha val="43137"/>
+                  </a:srgbClr>
+                </a:outerShdw>
+              </a:effectLst>
+            </a:endParaRPr>
+          </a:p>
+          <a:p>
+            <a:pPr algn="l"/>
+            <a:r>
+              <a:rPr lang="es-ES" sz="2400" dirty="0" err="1" smtClean="0">
+                <a:effectLst>
+                  <a:outerShdw blurRad="38100" dist="38100" dir="2700000" algn="tl">
+                    <a:srgbClr val="000000">
+                      <a:alpha val="43137"/>
+                    </a:srgbClr>
+                  </a:outerShdw>
+                </a:effectLst>
+              </a:rPr>
+              <a:t>Iluminacion</a:t>
+            </a:r>
+            <a:r>
+              <a:rPr lang="es-ES" sz="2400" dirty="0" smtClean="0">
+                <a:effectLst>
+                  <a:outerShdw blurRad="38100" dist="38100" dir="2700000" algn="tl">
+                    <a:srgbClr val="000000">
+                      <a:alpha val="43137"/>
+                    </a:srgbClr>
+                  </a:outerShdw>
+                </a:effectLst>
+              </a:rPr>
+              <a:t> </a:t>
+            </a:r>
+          </a:p>
+          <a:p>
+            <a:pPr algn="l"/>
+            <a:r>
+              <a:rPr lang="es-ES" sz="2400" dirty="0" smtClean="0">
+                <a:effectLst>
+                  <a:outerShdw blurRad="38100" dist="38100" dir="2700000" algn="tl">
+                    <a:srgbClr val="000000">
+                      <a:alpha val="43137"/>
+                    </a:srgbClr>
+                  </a:outerShdw>
+                </a:effectLst>
+              </a:rPr>
+              <a:t>Robótica </a:t>
+            </a:r>
+          </a:p>
+          <a:p>
+            <a:pPr algn="l"/>
+            <a:r>
+              <a:rPr lang="es-ES" sz="2400" dirty="0" smtClean="0">
+                <a:effectLst>
+                  <a:outerShdw blurRad="38100" dist="38100" dir="2700000" algn="tl">
+                    <a:srgbClr val="000000">
+                      <a:alpha val="43137"/>
+                    </a:srgbClr>
+                  </a:outerShdw>
+                </a:effectLst>
+              </a:rPr>
+              <a:t>Maquinas CNC</a:t>
+            </a:r>
+          </a:p>
+          <a:p>
+            <a:pPr algn="l"/>
+            <a:r>
+              <a:rPr lang="es-ES" sz="2400" dirty="0" smtClean="0">
+                <a:effectLst>
+                  <a:outerShdw blurRad="38100" dist="38100" dir="2700000" algn="tl">
+                    <a:srgbClr val="000000">
+                      <a:alpha val="43137"/>
+                    </a:srgbClr>
+                  </a:outerShdw>
+                </a:effectLst>
+              </a:rPr>
+              <a:t>Transporte</a:t>
+            </a:r>
+          </a:p>
+          <a:p>
+            <a:pPr algn="l"/>
+            <a:r>
+              <a:rPr lang="es-ES" sz="2400" dirty="0" smtClean="0">
+                <a:effectLst>
+                  <a:outerShdw blurRad="38100" dist="38100" dir="2700000" algn="tl">
+                    <a:srgbClr val="000000">
+                      <a:alpha val="43137"/>
+                    </a:srgbClr>
+                  </a:outerShdw>
+                </a:effectLst>
+              </a:rPr>
+              <a:t>Industria</a:t>
+            </a:r>
+          </a:p>
+          <a:p>
+            <a:pPr algn="l"/>
+            <a:r>
+              <a:rPr lang="es-ES" sz="2400" dirty="0" smtClean="0">
+                <a:effectLst>
+                  <a:outerShdw blurRad="38100" dist="38100" dir="2700000" algn="tl">
+                    <a:srgbClr val="000000">
+                      <a:alpha val="43137"/>
+                    </a:srgbClr>
+                  </a:outerShdw>
+                </a:effectLst>
+              </a:rPr>
+              <a:t>Medicina</a:t>
+            </a:r>
+          </a:p>
+        </p:txBody>
+      </p:sp>
+      <p:pic>
+        <p:nvPicPr>
+          <p:cNvPr id="5" name="Imagen 4"/>
+          <p:cNvPicPr>
+            <a:picLocks noChangeAspect="1"/>
+          </p:cNvPicPr>
+          <p:nvPr/>
+        </p:nvPicPr>
+        <p:blipFill>
+          <a:blip r:embed="rId5">
+            <a:extLst>
+              <a:ext uri="{28A0092B-C50C-407E-A947-70E740481C1C}">
+                <a14:useLocalDpi xmlns:a14="http://schemas.microsoft.com/office/drawing/2010/main" val="0"/>
+              </a:ext>
+            </a:extLst>
+          </a:blip>
+          <a:stretch>
+            <a:fillRect/>
+          </a:stretch>
+        </p:blipFill>
+        <p:spPr>
+          <a:xfrm>
+            <a:off x="4927784" y="1606037"/>
+            <a:ext cx="3562350" cy="3562350"/>
+          </a:xfrm>
+          <a:prstGeom prst="rect">
+            <a:avLst/>
+          </a:prstGeom>
+        </p:spPr>
+      </p:pic>
+      <p:pic>
+        <p:nvPicPr>
+          <p:cNvPr id="15" name="Imagen 14"/>
+          <p:cNvPicPr>
+            <a:picLocks noChangeAspect="1"/>
+          </p:cNvPicPr>
+          <p:nvPr/>
+        </p:nvPicPr>
+        <p:blipFill>
+          <a:blip r:embed="rId6" cstate="print">
+            <a:extLst>
+              <a:ext uri="{28A0092B-C50C-407E-A947-70E740481C1C}">
+                <a14:useLocalDpi xmlns:a14="http://schemas.microsoft.com/office/drawing/2010/main" val="0"/>
+              </a:ext>
+            </a:extLst>
+          </a:blip>
+          <a:stretch>
+            <a:fillRect/>
+          </a:stretch>
+        </p:blipFill>
+        <p:spPr>
+          <a:xfrm>
+            <a:off x="399908" y="4533586"/>
+            <a:ext cx="2659924" cy="1768528"/>
+          </a:xfrm>
+          <a:prstGeom prst="rect">
+            <a:avLst/>
+          </a:prstGeom>
+        </p:spPr>
+      </p:pic>
+      <p:sp>
+        <p:nvSpPr>
+          <p:cNvPr id="16" name="AutoShape 2" descr="Aplicaciones de los electroimanes en la medicina - Blog de Imanes - IMA"/>
+          <p:cNvSpPr>
+            <a:spLocks noChangeAspect="1" noChangeArrowheads="1"/>
+          </p:cNvSpPr>
+          <p:nvPr/>
+        </p:nvSpPr>
+        <p:spPr bwMode="auto">
+          <a:xfrm>
+            <a:off x="155575" y="-144463"/>
+            <a:ext cx="304800" cy="304801"/>
+          </a:xfrm>
+          <a:prstGeom prst="rect">
+            <a:avLst/>
+          </a:prstGeom>
+          <a:noFill/>
+          <a:extLst>
+            <a:ext uri="{909E8E84-426E-40DD-AFC4-6F175D3DCCD1}">
+              <a14:hiddenFill xmlns:a14="http://schemas.microsoft.com/office/drawing/2010/main">
+                <a:solidFill>
+                  <a:srgbClr val="FFFFFF"/>
+                </a:solidFill>
+              </a14:hiddenFill>
+            </a:ext>
+          </a:extLst>
+        </p:spPr>
+        <p:txBody>
+          <a:bodyPr vert="horz" wrap="square" lIns="91440" tIns="45720" rIns="91440" bIns="45720" numCol="1" anchor="t" anchorCtr="0" compatLnSpc="1">
+            <a:prstTxWarp prst="textNoShape">
+              <a:avLst/>
+            </a:prstTxWarp>
           </a:bodyPr>
           <a:lstStyle/>
           <a:p>
-            <a:pPr algn="just"/>
-            <a:r>
-              <a:rPr lang="es-ES" dirty="0" smtClean="0"/>
-              <a:t>Un circuito eléctrico es un conjunto de elementos conectados entre si por los que puede circular una corriente eléctrica</a:t>
-            </a:r>
-            <a:r>
-              <a:rPr lang="es-ES" dirty="0"/>
-              <a:t> </a:t>
-            </a:r>
-            <a:r>
-              <a:rPr lang="es-ES" dirty="0" smtClean="0"/>
-              <a:t>(electrones).</a:t>
-            </a:r>
-          </a:p>
-        </p:txBody>
-      </p:sp>
-      <p:sp>
-        <p:nvSpPr>
-          <p:cNvPr id="19" name="Rectángulo 18"/>
-          <p:cNvSpPr/>
-          <p:nvPr/>
-        </p:nvSpPr>
-        <p:spPr>
-          <a:xfrm>
-            <a:off x="315700" y="4376525"/>
-            <a:ext cx="8506164" cy="1200329"/>
-          </a:xfrm>
-          <a:prstGeom prst="rect">
-            <a:avLst/>
-          </a:prstGeom>
-        </p:spPr>
-        <p:txBody>
-          <a:bodyPr wrap="square">
-            <a:spAutoFit/>
+            <a:endParaRPr lang="es-EC"/>
+          </a:p>
+        </p:txBody>
+      </p:sp>
+      <p:sp>
+        <p:nvSpPr>
+          <p:cNvPr id="17" name="AutoShape 4" descr="Aplicaciones de los electroimanes en la medicina - Blog de Imanes - IMA"/>
+          <p:cNvSpPr>
+            <a:spLocks noChangeAspect="1" noChangeArrowheads="1"/>
+          </p:cNvSpPr>
+          <p:nvPr/>
+        </p:nvSpPr>
+        <p:spPr bwMode="auto">
+          <a:xfrm>
+            <a:off x="307975" y="7937"/>
+            <a:ext cx="304800" cy="304801"/>
+          </a:xfrm>
+          <a:prstGeom prst="rect">
+            <a:avLst/>
+          </a:prstGeom>
+          <a:noFill/>
+          <a:extLst>
+            <a:ext uri="{909E8E84-426E-40DD-AFC4-6F175D3DCCD1}">
+              <a14:hiddenFill xmlns:a14="http://schemas.microsoft.com/office/drawing/2010/main">
+                <a:solidFill>
+                  <a:srgbClr val="FFFFFF"/>
+                </a:solidFill>
+              </a14:hiddenFill>
+            </a:ext>
+          </a:extLst>
+        </p:spPr>
+        <p:txBody>
+          <a:bodyPr vert="horz" wrap="square" lIns="91440" tIns="45720" rIns="91440" bIns="45720" numCol="1" anchor="t" anchorCtr="0" compatLnSpc="1">
+            <a:prstTxWarp prst="textNoShape">
+              <a:avLst/>
+            </a:prstTxWarp>
           </a:bodyPr>
           <a:lstStyle/>
           <a:p>
-            <a:pPr algn="just"/>
-            <a:r>
-              <a:rPr lang="es-ES" dirty="0" smtClean="0"/>
-              <a:t>Un circuito eléctrico es el conjunto de elementos eléctricos conectados entre sí que permiten generar, transportar y utilizar la energía eléctrica con la finalidad de transformarla en otro tipo de energía, por ejemplo, energía calorífica, energía lumínica o energía mecánica.</a:t>
-            </a:r>
-          </a:p>
-        </p:txBody>
-      </p:sp>
+            <a:endParaRPr lang="es-EC"/>
+          </a:p>
+        </p:txBody>
+      </p:sp>
+      <p:pic>
+        <p:nvPicPr>
+          <p:cNvPr id="18" name="Imagen 17"/>
+          <p:cNvPicPr>
+            <a:picLocks noChangeAspect="1"/>
+          </p:cNvPicPr>
+          <p:nvPr/>
+        </p:nvPicPr>
+        <p:blipFill>
+          <a:blip r:embed="rId7">
+            <a:extLst>
+              <a:ext uri="{28A0092B-C50C-407E-A947-70E740481C1C}">
+                <a14:useLocalDpi xmlns:a14="http://schemas.microsoft.com/office/drawing/2010/main" val="0"/>
+              </a:ext>
+            </a:extLst>
+          </a:blip>
+          <a:stretch>
+            <a:fillRect/>
+          </a:stretch>
+        </p:blipFill>
+        <p:spPr>
+          <a:xfrm>
+            <a:off x="2647435" y="2916623"/>
+            <a:ext cx="1983567" cy="1492932"/>
+          </a:xfrm>
+          <a:prstGeom prst="rect">
+            <a:avLst/>
+          </a:prstGeom>
+        </p:spPr>
+      </p:pic>
     </p:spTree>
     <p:extLst>
       <p:ext uri="{BB962C8B-B14F-4D97-AF65-F5344CB8AC3E}">
-        <p14:creationId xmlns:p14="http://schemas.microsoft.com/office/powerpoint/2010/main" val="819837506"/>
+        <p14:creationId xmlns:p14="http://schemas.microsoft.com/office/powerpoint/2010/main" val="2347936420"/>
       </p:ext>
     </p:extLst>
   </p:cSld>
@@ -17086,7 +17012,7 @@
                   </a:outerShdw>
                 </a:effectLst>
               </a:rPr>
-              <a:t>Símbolos eléctricos</a:t>
+              <a:t>Unidades eléctricas y equivalencias</a:t>
             </a:r>
             <a:endParaRPr lang="es-EC" sz="4400" b="1" i="1" dirty="0">
               <a:effectLst>
@@ -17100,64 +17026,51 @@
           </a:p>
         </p:txBody>
       </p:sp>
-      <p:sp>
-        <p:nvSpPr>
-          <p:cNvPr id="20" name="Rectángulo 19"/>
-          <p:cNvSpPr/>
-          <p:nvPr/>
-        </p:nvSpPr>
-        <p:spPr>
-          <a:xfrm>
-            <a:off x="310356" y="1761309"/>
-            <a:ext cx="3253532" cy="923330"/>
-          </a:xfrm>
-          <a:prstGeom prst="rect">
-            <a:avLst/>
-          </a:prstGeom>
-        </p:spPr>
-        <p:txBody>
-          <a:bodyPr wrap="square">
-            <a:spAutoFit/>
-          </a:bodyPr>
-          <a:lstStyle/>
-          <a:p>
-            <a:pPr algn="just"/>
-            <a:r>
-              <a:rPr lang="es-ES" dirty="0" smtClean="0"/>
-              <a:t>Los símbolos representan los elementos del circuito de forma simplificada y fácil de dibujar </a:t>
-            </a:r>
-            <a:endParaRPr lang="es-ES" dirty="0"/>
-          </a:p>
-        </p:txBody>
-      </p:sp>
       <p:pic>
         <p:nvPicPr>
-          <p:cNvPr id="3" name="Imagen 2"/>
+          <p:cNvPr id="1026" name="Picture 2" descr="▷ Unidades Eléctricas de Medida + 【 Tablas 】 | Ingtelecto"/>
           <p:cNvPicPr>
-            <a:picLocks noChangeAspect="1"/>
+            <a:picLocks noChangeAspect="1" noChangeArrowheads="1"/>
           </p:cNvPicPr>
           <p:nvPr/>
         </p:nvPicPr>
         <p:blipFill>
-          <a:blip r:embed="rId4"/>
+          <a:blip r:embed="rId4">
+            <a:extLst>
+              <a:ext uri="{28A0092B-C50C-407E-A947-70E740481C1C}">
+                <a14:useLocalDpi xmlns:a14="http://schemas.microsoft.com/office/drawing/2010/main" val="0"/>
+              </a:ext>
+            </a:extLst>
+          </a:blip>
+          <a:srcRect/>
           <a:stretch>
             <a:fillRect/>
           </a:stretch>
         </p:blipFill>
-        <p:spPr>
-          <a:xfrm>
-            <a:off x="3707904" y="1837883"/>
-            <a:ext cx="5153025" cy="3228975"/>
-          </a:xfrm>
-          <a:prstGeom prst="rect">
-            <a:avLst/>
-          </a:prstGeom>
+        <p:spPr bwMode="auto">
+          <a:xfrm>
+            <a:off x="779490" y="1725564"/>
+            <a:ext cx="7567896" cy="3543103"/>
+          </a:xfrm>
+          <a:prstGeom prst="rect">
+            <a:avLst/>
+          </a:prstGeom>
+          <a:noFill/>
+          <a:extLst>
+            <a:ext uri="{909E8E84-426E-40DD-AFC4-6F175D3DCCD1}">
+              <a14:hiddenFill xmlns:a14="http://schemas.microsoft.com/office/drawing/2010/main">
+                <a:solidFill>
+                  <a:srgbClr val="FFFFFF"/>
+                </a:solidFill>
+              </a14:hiddenFill>
+            </a:ext>
+          </a:extLst>
         </p:spPr>
       </p:pic>
     </p:spTree>
     <p:extLst>
       <p:ext uri="{BB962C8B-B14F-4D97-AF65-F5344CB8AC3E}">
-        <p14:creationId xmlns:p14="http://schemas.microsoft.com/office/powerpoint/2010/main" val="4128143482"/>
+        <p14:creationId xmlns:p14="http://schemas.microsoft.com/office/powerpoint/2010/main" val="4000952437"/>
       </p:ext>
     </p:extLst>
   </p:cSld>
@@ -17315,7 +17228,41 @@
       </p:pic>
       <p:sp>
         <p:nvSpPr>
-          <p:cNvPr id="4" name="Título 3"/>
+          <p:cNvPr id="6" name="15 CuadroTexto"/>
+          <p:cNvSpPr txBox="1"/>
+          <p:nvPr/>
+        </p:nvSpPr>
+        <p:spPr>
+          <a:xfrm>
+            <a:off x="402924" y="97658"/>
+            <a:ext cx="4752528" cy="276999"/>
+          </a:xfrm>
+          <a:prstGeom prst="rect">
+            <a:avLst/>
+          </a:prstGeom>
+          <a:noFill/>
+        </p:spPr>
+        <p:txBody>
+          <a:bodyPr wrap="square" rtlCol="0">
+            <a:spAutoFit/>
+          </a:bodyPr>
+          <a:lstStyle/>
+          <a:p>
+            <a:r>
+              <a:rPr lang="es-EC" sz="1200" i="1" dirty="0" smtClean="0"/>
+              <a:t>#</a:t>
+            </a:r>
+            <a:r>
+              <a:rPr lang="es-EC" sz="1200" i="1" dirty="0" err="1" smtClean="0"/>
+              <a:t>UleamEnBuenasManos</a:t>
+            </a:r>
+            <a:endParaRPr lang="es-EC" sz="1200" i="1" dirty="0"/>
+          </a:p>
+        </p:txBody>
+      </p:sp>
+      <p:sp>
+        <p:nvSpPr>
+          <p:cNvPr id="12" name="Título 3"/>
           <p:cNvSpPr>
             <a:spLocks noGrp="1"/>
           </p:cNvSpPr>
@@ -17325,8 +17272,8 @@
         </p:nvSpPr>
         <p:spPr>
           <a:xfrm>
-            <a:off x="5828009" y="4461864"/>
-            <a:ext cx="3089715" cy="398364"/>
+            <a:off x="1225489" y="562880"/>
+            <a:ext cx="6048672" cy="1154781"/>
           </a:xfrm>
         </p:spPr>
         <p:txBody>
@@ -17336,30 +17283,18 @@
           <a:lstStyle/>
           <a:p>
             <a:r>
-              <a:rPr lang="en-US" sz="1800" b="1" dirty="0" err="1" smtClean="0"/>
-              <a:t>Ing</a:t>
-            </a:r>
-            <a:r>
-              <a:rPr lang="en-US" sz="1800" b="1" dirty="0" smtClean="0"/>
-              <a:t>. </a:t>
-            </a:r>
-            <a:r>
-              <a:rPr lang="es-ES" sz="1800" dirty="0" smtClean="0"/>
-              <a:t>César </a:t>
-            </a:r>
-            <a:r>
-              <a:rPr lang="es-ES" sz="1800" dirty="0" err="1" smtClean="0"/>
-              <a:t>Sinchiguano</a:t>
-            </a:r>
-            <a:r>
-              <a:rPr lang="es-ES" sz="1800" dirty="0" smtClean="0"/>
-              <a:t>, </a:t>
-            </a:r>
-            <a:r>
-              <a:rPr lang="es-ES" sz="1800" dirty="0" err="1" smtClean="0"/>
-              <a:t>MSc</a:t>
-            </a:r>
-            <a:endParaRPr lang="es-EC" sz="1800" b="1" i="1" dirty="0">
+              <a:rPr lang="es-ES" sz="4000" dirty="0" smtClean="0">
+                <a:effectLst>
+                  <a:outerShdw blurRad="38100" dist="38100" dir="2700000" algn="tl">
+                    <a:srgbClr val="000000">
+                      <a:alpha val="43137"/>
+                    </a:srgbClr>
+                  </a:outerShdw>
+                </a:effectLst>
+              </a:rPr>
+              <a:t>Unidades eléctricas y equivalencias</a:t>
+            </a:r>
+            <a:endParaRPr lang="es-EC" sz="4400" b="1" i="1" dirty="0">
               <a:effectLst>
                 <a:outerShdw blurRad="38100" dist="38100" dir="2700000" algn="tl">
                   <a:srgbClr val="000000">
@@ -17371,75 +17306,52 @@
           </a:p>
         </p:txBody>
       </p:sp>
-      <p:sp>
-        <p:nvSpPr>
-          <p:cNvPr id="6" name="15 CuadroTexto"/>
-          <p:cNvSpPr txBox="1"/>
-          <p:nvPr/>
-        </p:nvSpPr>
-        <p:spPr>
-          <a:xfrm>
-            <a:off x="402924" y="97658"/>
-            <a:ext cx="4752528" cy="276999"/>
-          </a:xfrm>
-          <a:prstGeom prst="rect">
-            <a:avLst/>
-          </a:prstGeom>
-          <a:noFill/>
-        </p:spPr>
-        <p:txBody>
-          <a:bodyPr wrap="square" rtlCol="0">
-            <a:spAutoFit/>
-          </a:bodyPr>
-          <a:lstStyle/>
-          <a:p>
-            <a:r>
-              <a:rPr lang="es-EC" sz="1200" i="1" dirty="0" smtClean="0"/>
-              <a:t>#</a:t>
-            </a:r>
-            <a:r>
-              <a:rPr lang="es-EC" sz="1200" i="1" dirty="0" err="1" smtClean="0"/>
-              <a:t>UleamEnBuenasManos</a:t>
-            </a:r>
-            <a:endParaRPr lang="es-EC" sz="1200" i="1" dirty="0"/>
-          </a:p>
-        </p:txBody>
-      </p:sp>
       <p:pic>
         <p:nvPicPr>
-          <p:cNvPr id="9" name="Imagen 8"/>
+          <p:cNvPr id="2052" name="Picture 4" descr="3. Magnitudes eléctricas básicas. - 2º FPB Inf y Com Fran Ruiz"/>
           <p:cNvPicPr>
-            <a:picLocks noChangeAspect="1"/>
+            <a:picLocks noChangeAspect="1" noChangeArrowheads="1"/>
           </p:cNvPicPr>
           <p:nvPr/>
         </p:nvPicPr>
         <p:blipFill>
-          <a:blip r:embed="rId4" cstate="print">
+          <a:blip r:embed="rId4">
             <a:extLst>
               <a:ext uri="{28A0092B-C50C-407E-A947-70E740481C1C}">
                 <a14:useLocalDpi xmlns:a14="http://schemas.microsoft.com/office/drawing/2010/main" val="0"/>
               </a:ext>
             </a:extLst>
           </a:blip>
+          <a:srcRect/>
           <a:stretch>
             <a:fillRect/>
           </a:stretch>
         </p:blipFill>
-        <p:spPr>
-          <a:xfrm>
-            <a:off x="6660232" y="992745"/>
-            <a:ext cx="1922298" cy="841005"/>
-          </a:xfrm>
-          <a:prstGeom prst="rect">
-            <a:avLst/>
-          </a:prstGeom>
+        <p:spPr bwMode="auto">
+          <a:xfrm>
+            <a:off x="408486" y="1853018"/>
+            <a:ext cx="5276850" cy="3238501"/>
+          </a:xfrm>
+          <a:prstGeom prst="rect">
+            <a:avLst/>
+          </a:prstGeom>
+          <a:noFill/>
+          <a:extLst>
+            <a:ext uri="{909E8E84-426E-40DD-AFC4-6F175D3DCCD1}">
+              <a14:hiddenFill xmlns:a14="http://schemas.microsoft.com/office/drawing/2010/main">
+                <a:solidFill>
+                  <a:srgbClr val="FFFFFF"/>
+                </a:solidFill>
+              </a14:hiddenFill>
+            </a:ext>
+          </a:extLst>
         </p:spPr>
       </p:pic>
       <p:pic>
         <p:nvPicPr>
-          <p:cNvPr id="10" name="Imagen 9"/>
+          <p:cNvPr id="2054" name="Picture 6" descr="Prefijos del Sistema Internacional | School motivation, Mega m, Periodic  table"/>
           <p:cNvPicPr>
-            <a:picLocks noChangeAspect="1"/>
+            <a:picLocks noChangeAspect="1" noChangeArrowheads="1"/>
           </p:cNvPicPr>
           <p:nvPr/>
         </p:nvPicPr>
@@ -17451,220 +17363,35 @@
               </a:ext>
             </a:extLst>
           </a:blip>
+          <a:srcRect/>
           <a:stretch>
             <a:fillRect/>
           </a:stretch>
         </p:blipFill>
-        <p:spPr>
-          <a:xfrm>
-            <a:off x="567914" y="808987"/>
-            <a:ext cx="1582586" cy="962942"/>
-          </a:xfrm>
-          <a:prstGeom prst="rect">
-            <a:avLst/>
-          </a:prstGeom>
+        <p:spPr bwMode="auto">
+          <a:xfrm>
+            <a:off x="5292080" y="1526323"/>
+            <a:ext cx="3024336" cy="3782021"/>
+          </a:xfrm>
+          <a:prstGeom prst="rect">
+            <a:avLst/>
+          </a:prstGeom>
+          <a:noFill/>
+          <a:extLst>
+            <a:ext uri="{909E8E84-426E-40DD-AFC4-6F175D3DCCD1}">
+              <a14:hiddenFill xmlns:a14="http://schemas.microsoft.com/office/drawing/2010/main">
+                <a:solidFill>
+                  <a:srgbClr val="FFFFFF"/>
+                </a:solidFill>
+              </a14:hiddenFill>
+            </a:ext>
+          </a:extLst>
         </p:spPr>
       </p:pic>
-      <p:pic>
-        <p:nvPicPr>
-          <p:cNvPr id="11" name="Imagen 10"/>
-          <p:cNvPicPr>
-            <a:picLocks noChangeAspect="1"/>
-          </p:cNvPicPr>
-          <p:nvPr/>
-        </p:nvPicPr>
-        <p:blipFill>
-          <a:blip r:embed="rId6">
-            <a:extLst>
-              <a:ext uri="{28A0092B-C50C-407E-A947-70E740481C1C}">
-                <a14:useLocalDpi xmlns:a14="http://schemas.microsoft.com/office/drawing/2010/main" val="0"/>
-              </a:ext>
-            </a:extLst>
-          </a:blip>
-          <a:stretch>
-            <a:fillRect/>
-          </a:stretch>
-        </p:blipFill>
-        <p:spPr>
-          <a:xfrm>
-            <a:off x="386490" y="2860329"/>
-            <a:ext cx="1767458" cy="704997"/>
-          </a:xfrm>
-          <a:prstGeom prst="rect">
-            <a:avLst/>
-          </a:prstGeom>
-        </p:spPr>
-      </p:pic>
-      <p:pic>
-        <p:nvPicPr>
-          <p:cNvPr id="12" name="Imagen 11"/>
-          <p:cNvPicPr>
-            <a:picLocks noChangeAspect="1"/>
-          </p:cNvPicPr>
-          <p:nvPr/>
-        </p:nvPicPr>
-        <p:blipFill>
-          <a:blip r:embed="rId7" cstate="print">
-            <a:extLst>
-              <a:ext uri="{28A0092B-C50C-407E-A947-70E740481C1C}">
-                <a14:useLocalDpi xmlns:a14="http://schemas.microsoft.com/office/drawing/2010/main" val="0"/>
-              </a:ext>
-            </a:extLst>
-          </a:blip>
-          <a:stretch>
-            <a:fillRect/>
-          </a:stretch>
-        </p:blipFill>
-        <p:spPr>
-          <a:xfrm>
-            <a:off x="6982198" y="2625141"/>
-            <a:ext cx="1650249" cy="1650249"/>
-          </a:xfrm>
-          <a:prstGeom prst="rect">
-            <a:avLst/>
-          </a:prstGeom>
-        </p:spPr>
-      </p:pic>
-      <p:pic>
-        <p:nvPicPr>
-          <p:cNvPr id="13" name="Imagen 12"/>
-          <p:cNvPicPr>
-            <a:picLocks noChangeAspect="1"/>
-          </p:cNvPicPr>
-          <p:nvPr/>
-        </p:nvPicPr>
-        <p:blipFill>
-          <a:blip r:embed="rId8">
-            <a:extLst>
-              <a:ext uri="{28A0092B-C50C-407E-A947-70E740481C1C}">
-                <a14:useLocalDpi xmlns:a14="http://schemas.microsoft.com/office/drawing/2010/main" val="0"/>
-              </a:ext>
-            </a:extLst>
-          </a:blip>
-          <a:stretch>
-            <a:fillRect/>
-          </a:stretch>
-        </p:blipFill>
-        <p:spPr>
-          <a:xfrm>
-            <a:off x="402924" y="5131722"/>
-            <a:ext cx="2264282" cy="512216"/>
-          </a:xfrm>
-          <a:prstGeom prst="rect">
-            <a:avLst/>
-          </a:prstGeom>
-        </p:spPr>
-      </p:pic>
-      <p:sp>
-        <p:nvSpPr>
-          <p:cNvPr id="14" name="Título 3"/>
-          <p:cNvSpPr txBox="1">
-            <a:spLocks/>
-          </p:cNvSpPr>
-          <p:nvPr/>
-        </p:nvSpPr>
-        <p:spPr>
-          <a:xfrm>
-            <a:off x="5940152" y="4808710"/>
-            <a:ext cx="2865431" cy="331911"/>
-          </a:xfrm>
-          <a:prstGeom prst="rect">
-            <a:avLst/>
-          </a:prstGeom>
-        </p:spPr>
-        <p:txBody>
-          <a:bodyPr vert="horz" lIns="91440" tIns="45720" rIns="91440" bIns="45720" rtlCol="0" anchor="b">
-            <a:noAutofit/>
-          </a:bodyPr>
-          <a:lstStyle>
-            <a:lvl1pPr algn="ctr" defTabSz="685800" rtl="0" eaLnBrk="1" latinLnBrk="0" hangingPunct="1">
-              <a:lnSpc>
-                <a:spcPct val="90000"/>
-              </a:lnSpc>
-              <a:spcBef>
-                <a:spcPct val="0"/>
-              </a:spcBef>
-              <a:buNone/>
-              <a:defRPr sz="4500" kern="1200">
-                <a:solidFill>
-                  <a:schemeClr val="tx1"/>
-                </a:solidFill>
-                <a:latin typeface="+mj-lt"/>
-                <a:ea typeface="+mj-ea"/>
-                <a:cs typeface="+mj-cs"/>
-              </a:defRPr>
-            </a:lvl1pPr>
-          </a:lstStyle>
-          <a:p>
-            <a:r>
-              <a:rPr lang="en-US" sz="1600" b="1" dirty="0" smtClean="0"/>
-              <a:t>cesar.sinchiguano@uleam.edu.ec</a:t>
-            </a:r>
-            <a:endParaRPr lang="es-EC" sz="1600" b="1" i="1" dirty="0">
-              <a:effectLst>
-                <a:outerShdw blurRad="38100" dist="38100" dir="2700000" algn="tl">
-                  <a:srgbClr val="000000">
-                    <a:alpha val="43137"/>
-                  </a:srgbClr>
-                </a:outerShdw>
-              </a:effectLst>
-            </a:endParaRPr>
-          </a:p>
-        </p:txBody>
-      </p:sp>
-      <p:sp>
-        <p:nvSpPr>
-          <p:cNvPr id="15" name="Título 2"/>
-          <p:cNvSpPr txBox="1">
-            <a:spLocks/>
-          </p:cNvSpPr>
-          <p:nvPr/>
-        </p:nvSpPr>
-        <p:spPr>
-          <a:xfrm>
-            <a:off x="2069091" y="2234997"/>
-            <a:ext cx="4591141" cy="1427807"/>
-          </a:xfrm>
-          <a:prstGeom prst="rect">
-            <a:avLst/>
-          </a:prstGeom>
-        </p:spPr>
-        <p:txBody>
-          <a:bodyPr vert="horz" lIns="91440" tIns="45720" rIns="91440" bIns="45720" rtlCol="0" anchor="b">
-            <a:normAutofit/>
-          </a:bodyPr>
-          <a:lstStyle>
-            <a:lvl1pPr algn="ctr" defTabSz="685800" rtl="0" eaLnBrk="1" latinLnBrk="0" hangingPunct="1">
-              <a:lnSpc>
-                <a:spcPct val="90000"/>
-              </a:lnSpc>
-              <a:spcBef>
-                <a:spcPct val="0"/>
-              </a:spcBef>
-              <a:buNone/>
-              <a:defRPr sz="4500" kern="1200">
-                <a:solidFill>
-                  <a:schemeClr val="tx1"/>
-                </a:solidFill>
-                <a:latin typeface="+mj-lt"/>
-                <a:ea typeface="+mj-ea"/>
-                <a:cs typeface="+mj-cs"/>
-              </a:defRPr>
-            </a:lvl1pPr>
-          </a:lstStyle>
-          <a:p>
-            <a:r>
-              <a:rPr lang="es-ES" sz="9600" b="1" dirty="0" smtClean="0"/>
-              <a:t>Gracias</a:t>
-            </a:r>
-            <a:endParaRPr lang="es-EC" sz="9600" b="1" dirty="0"/>
-          </a:p>
-        </p:txBody>
-      </p:sp>
     </p:spTree>
     <p:extLst>
       <p:ext uri="{BB962C8B-B14F-4D97-AF65-F5344CB8AC3E}">
-        <p14:creationId xmlns:p14="http://schemas.microsoft.com/office/powerpoint/2010/main" val="1998346903"/>
+        <p14:creationId xmlns:p14="http://schemas.microsoft.com/office/powerpoint/2010/main" val="4261493397"/>
       </p:ext>
     </p:extLst>
   </p:cSld>
@@ -18134,6 +17861,662 @@
     <p:extLst>
       <p:ext uri="{BB962C8B-B14F-4D97-AF65-F5344CB8AC3E}">
         <p14:creationId xmlns:p14="http://schemas.microsoft.com/office/powerpoint/2010/main" val="3702621402"/>
+      </p:ext>
+    </p:extLst>
+  </p:cSld>
+  <p:clrMapOvr>
+    <a:masterClrMapping/>
+  </p:clrMapOvr>
+  <p:timing>
+    <p:tnLst>
+      <p:par>
+        <p:cTn id="1" dur="indefinite" restart="never" nodeType="tmRoot"/>
+      </p:par>
+    </p:tnLst>
+  </p:timing>
+</p:sld>
+</file>
+
+<file path=ppt/slides/slide40.xml><?xml version="1.0" encoding="utf-8"?>
+<p:sld xmlns:a="http://schemas.openxmlformats.org/drawingml/2006/main" xmlns:r="http://schemas.openxmlformats.org/officeDocument/2006/relationships" xmlns:p="http://schemas.openxmlformats.org/presentationml/2006/main">
+  <p:cSld>
+    <p:spTree>
+      <p:nvGrpSpPr>
+        <p:cNvPr id="1" name=""/>
+        <p:cNvGrpSpPr/>
+        <p:nvPr/>
+      </p:nvGrpSpPr>
+      <p:grpSpPr>
+        <a:xfrm>
+          <a:off x="0" y="0"/>
+          <a:ext cx="0" cy="0"/>
+          <a:chOff x="0" y="0"/>
+          <a:chExt cx="0" cy="0"/>
+        </a:xfrm>
+      </p:grpSpPr>
+      <p:pic>
+        <p:nvPicPr>
+          <p:cNvPr id="7" name="6 Imagen"/>
+          <p:cNvPicPr/>
+          <p:nvPr/>
+        </p:nvPicPr>
+        <p:blipFill>
+          <a:blip r:embed="rId2">
+            <a:extLst>
+              <a:ext uri="{28A0092B-C50C-407E-A947-70E740481C1C}">
+                <a14:useLocalDpi xmlns:a14="http://schemas.microsoft.com/office/drawing/2010/main" val="0"/>
+              </a:ext>
+            </a:extLst>
+          </a:blip>
+          <a:stretch>
+            <a:fillRect/>
+          </a:stretch>
+        </p:blipFill>
+        <p:spPr>
+          <a:xfrm>
+            <a:off x="0" y="5229200"/>
+            <a:ext cx="9126876" cy="1556792"/>
+          </a:xfrm>
+          <a:prstGeom prst="rect">
+            <a:avLst/>
+          </a:prstGeom>
+        </p:spPr>
+      </p:pic>
+      <p:sp>
+        <p:nvSpPr>
+          <p:cNvPr id="8" name="Rectángulo 7"/>
+          <p:cNvSpPr/>
+          <p:nvPr/>
+        </p:nvSpPr>
+        <p:spPr>
+          <a:xfrm>
+            <a:off x="0" y="381804"/>
+            <a:ext cx="4563438" cy="45719"/>
+          </a:xfrm>
+          <a:prstGeom prst="rect">
+            <a:avLst/>
+          </a:prstGeom>
+          <a:solidFill>
+            <a:srgbClr val="FF0000"/>
+          </a:solidFill>
+          <a:ln>
+            <a:noFill/>
+          </a:ln>
+          <a:effectLst>
+            <a:outerShdw blurRad="44450" dist="27940" dir="5400000" algn="ctr">
+              <a:srgbClr val="000000">
+                <a:alpha val="32000"/>
+              </a:srgbClr>
+            </a:outerShdw>
+          </a:effectLst>
+          <a:scene3d>
+            <a:camera prst="orthographicFront">
+              <a:rot lat="0" lon="0" rev="0"/>
+            </a:camera>
+            <a:lightRig rig="balanced" dir="t">
+              <a:rot lat="0" lon="0" rev="8700000"/>
+            </a:lightRig>
+          </a:scene3d>
+          <a:sp3d>
+            <a:bevelT w="190500" h="38100"/>
+          </a:sp3d>
+        </p:spPr>
+        <p:style>
+          <a:lnRef idx="2">
+            <a:schemeClr val="accent1">
+              <a:shade val="50000"/>
+            </a:schemeClr>
+          </a:lnRef>
+          <a:fillRef idx="1">
+            <a:schemeClr val="accent1"/>
+          </a:fillRef>
+          <a:effectRef idx="0">
+            <a:schemeClr val="accent1"/>
+          </a:effectRef>
+          <a:fontRef idx="minor">
+            <a:schemeClr val="lt1"/>
+          </a:fontRef>
+        </p:style>
+        <p:txBody>
+          <a:bodyPr rtlCol="0" anchor="ctr"/>
+          <a:lstStyle/>
+          <a:p>
+            <a:pPr algn="ctr"/>
+            <a:endParaRPr lang="es-EC"/>
+          </a:p>
+        </p:txBody>
+      </p:sp>
+      <p:pic>
+        <p:nvPicPr>
+          <p:cNvPr id="2" name="Imagen 1">
+            <a:extLst>
+              <a:ext uri="{FF2B5EF4-FFF2-40B4-BE49-F238E27FC236}">
+                <a16:creationId xmlns:a16="http://schemas.microsoft.com/office/drawing/2014/main" id="{0FEA6DE7-B9BD-4547-89A5-27816310CDF2}"/>
+              </a:ext>
+            </a:extLst>
+          </p:cNvPr>
+          <p:cNvPicPr>
+            <a:picLocks noChangeAspect="1"/>
+          </p:cNvPicPr>
+          <p:nvPr/>
+        </p:nvPicPr>
+        <p:blipFill>
+          <a:blip r:embed="rId3"/>
+          <a:stretch>
+            <a:fillRect/>
+          </a:stretch>
+        </p:blipFill>
+        <p:spPr>
+          <a:xfrm>
+            <a:off x="7807323" y="99424"/>
+            <a:ext cx="1365622" cy="804742"/>
+          </a:xfrm>
+          <a:prstGeom prst="rect">
+            <a:avLst/>
+          </a:prstGeom>
+        </p:spPr>
+      </p:pic>
+      <p:sp>
+        <p:nvSpPr>
+          <p:cNvPr id="6" name="15 CuadroTexto"/>
+          <p:cNvSpPr txBox="1"/>
+          <p:nvPr/>
+        </p:nvSpPr>
+        <p:spPr>
+          <a:xfrm>
+            <a:off x="402924" y="97658"/>
+            <a:ext cx="4752528" cy="276999"/>
+          </a:xfrm>
+          <a:prstGeom prst="rect">
+            <a:avLst/>
+          </a:prstGeom>
+          <a:noFill/>
+        </p:spPr>
+        <p:txBody>
+          <a:bodyPr wrap="square" rtlCol="0">
+            <a:spAutoFit/>
+          </a:bodyPr>
+          <a:lstStyle/>
+          <a:p>
+            <a:r>
+              <a:rPr lang="es-EC" sz="1200" i="1" dirty="0" smtClean="0"/>
+              <a:t>#</a:t>
+            </a:r>
+            <a:r>
+              <a:rPr lang="es-EC" sz="1200" i="1" dirty="0" err="1" smtClean="0"/>
+              <a:t>UleamEnBuenasManos</a:t>
+            </a:r>
+            <a:endParaRPr lang="es-EC" sz="1200" i="1" dirty="0"/>
+          </a:p>
+        </p:txBody>
+      </p:sp>
+      <p:sp>
+        <p:nvSpPr>
+          <p:cNvPr id="12" name="Título 3"/>
+          <p:cNvSpPr>
+            <a:spLocks noGrp="1"/>
+          </p:cNvSpPr>
+          <p:nvPr>
+            <p:ph type="ctrTitle"/>
+          </p:nvPr>
+        </p:nvSpPr>
+        <p:spPr>
+          <a:xfrm>
+            <a:off x="1225489" y="562880"/>
+            <a:ext cx="6048672" cy="1154781"/>
+          </a:xfrm>
+        </p:spPr>
+        <p:txBody>
+          <a:bodyPr>
+            <a:noAutofit/>
+          </a:bodyPr>
+          <a:lstStyle/>
+          <a:p>
+            <a:r>
+              <a:rPr lang="es-ES" sz="4000" dirty="0" smtClean="0">
+                <a:effectLst>
+                  <a:outerShdw blurRad="38100" dist="38100" dir="2700000" algn="tl">
+                    <a:srgbClr val="000000">
+                      <a:alpha val="43137"/>
+                    </a:srgbClr>
+                  </a:outerShdw>
+                </a:effectLst>
+              </a:rPr>
+              <a:t>Circuito eléctrico </a:t>
+            </a:r>
+            <a:endParaRPr lang="es-EC" sz="4400" b="1" i="1" dirty="0">
+              <a:effectLst>
+                <a:outerShdw blurRad="38100" dist="38100" dir="2700000" algn="tl">
+                  <a:srgbClr val="000000">
+                    <a:alpha val="43137"/>
+                  </a:srgbClr>
+                </a:outerShdw>
+              </a:effectLst>
+            </a:endParaRPr>
+          </a:p>
+        </p:txBody>
+      </p:sp>
+      <p:sp>
+        <p:nvSpPr>
+          <p:cNvPr id="20" name="Rectángulo 19"/>
+          <p:cNvSpPr/>
+          <p:nvPr/>
+        </p:nvSpPr>
+        <p:spPr>
+          <a:xfrm>
+            <a:off x="310356" y="1761309"/>
+            <a:ext cx="8506164" cy="646331"/>
+          </a:xfrm>
+          <a:prstGeom prst="rect">
+            <a:avLst/>
+          </a:prstGeom>
+        </p:spPr>
+        <p:txBody>
+          <a:bodyPr wrap="square">
+            <a:spAutoFit/>
+          </a:bodyPr>
+          <a:lstStyle/>
+          <a:p>
+            <a:pPr algn="just"/>
+            <a:r>
+              <a:rPr lang="es-ES" dirty="0" smtClean="0"/>
+              <a:t>Conjunto de operadores unidos de tal forma que permitan el paso o circulación de la corriente eléctrica para conseguir algún efecto útil (luz, calor movimiento, etc.)</a:t>
+            </a:r>
+          </a:p>
+        </p:txBody>
+      </p:sp>
+      <p:sp>
+        <p:nvSpPr>
+          <p:cNvPr id="15" name="Rectángulo 14"/>
+          <p:cNvSpPr/>
+          <p:nvPr/>
+        </p:nvSpPr>
+        <p:spPr>
+          <a:xfrm>
+            <a:off x="310356" y="2660600"/>
+            <a:ext cx="8506164" cy="646331"/>
+          </a:xfrm>
+          <a:prstGeom prst="rect">
+            <a:avLst/>
+          </a:prstGeom>
+        </p:spPr>
+        <p:txBody>
+          <a:bodyPr wrap="square">
+            <a:spAutoFit/>
+          </a:bodyPr>
+          <a:lstStyle/>
+          <a:p>
+            <a:pPr algn="just"/>
+            <a:r>
+              <a:rPr lang="es-ES" dirty="0" smtClean="0"/>
+              <a:t>Un circuito eléctrico es un recorrido cerrado cuyo fin es llevar energía eléctrica desde unos elementos que la producen hasta otros elementos que la consumen.</a:t>
+            </a:r>
+          </a:p>
+        </p:txBody>
+      </p:sp>
+      <p:sp>
+        <p:nvSpPr>
+          <p:cNvPr id="17" name="Rectángulo 16"/>
+          <p:cNvSpPr/>
+          <p:nvPr/>
+        </p:nvSpPr>
+        <p:spPr>
+          <a:xfrm>
+            <a:off x="310356" y="3530142"/>
+            <a:ext cx="8506164" cy="646331"/>
+          </a:xfrm>
+          <a:prstGeom prst="rect">
+            <a:avLst/>
+          </a:prstGeom>
+        </p:spPr>
+        <p:txBody>
+          <a:bodyPr wrap="square">
+            <a:spAutoFit/>
+          </a:bodyPr>
+          <a:lstStyle/>
+          <a:p>
+            <a:pPr algn="just"/>
+            <a:r>
+              <a:rPr lang="es-ES" dirty="0" smtClean="0"/>
+              <a:t>Un circuito eléctrico es un conjunto de elementos conectados entre si por los que puede circular una corriente eléctrica</a:t>
+            </a:r>
+            <a:r>
+              <a:rPr lang="es-ES" dirty="0"/>
+              <a:t> </a:t>
+            </a:r>
+            <a:r>
+              <a:rPr lang="es-ES" dirty="0" smtClean="0"/>
+              <a:t>(electrones).</a:t>
+            </a:r>
+          </a:p>
+        </p:txBody>
+      </p:sp>
+      <p:sp>
+        <p:nvSpPr>
+          <p:cNvPr id="19" name="Rectángulo 18"/>
+          <p:cNvSpPr/>
+          <p:nvPr/>
+        </p:nvSpPr>
+        <p:spPr>
+          <a:xfrm>
+            <a:off x="315700" y="4376525"/>
+            <a:ext cx="8506164" cy="1200329"/>
+          </a:xfrm>
+          <a:prstGeom prst="rect">
+            <a:avLst/>
+          </a:prstGeom>
+        </p:spPr>
+        <p:txBody>
+          <a:bodyPr wrap="square">
+            <a:spAutoFit/>
+          </a:bodyPr>
+          <a:lstStyle/>
+          <a:p>
+            <a:pPr algn="just"/>
+            <a:r>
+              <a:rPr lang="es-ES" dirty="0" smtClean="0"/>
+              <a:t>Un circuito eléctrico es el conjunto de elementos eléctricos conectados entre sí que permiten generar, transportar y utilizar la energía eléctrica con la finalidad de transformarla en otro tipo de energía, por ejemplo, energía calorífica, energía lumínica o energía mecánica.</a:t>
+            </a:r>
+          </a:p>
+        </p:txBody>
+      </p:sp>
+    </p:spTree>
+    <p:extLst>
+      <p:ext uri="{BB962C8B-B14F-4D97-AF65-F5344CB8AC3E}">
+        <p14:creationId xmlns:p14="http://schemas.microsoft.com/office/powerpoint/2010/main" val="819837506"/>
+      </p:ext>
+    </p:extLst>
+  </p:cSld>
+  <p:clrMapOvr>
+    <a:masterClrMapping/>
+  </p:clrMapOvr>
+  <p:timing>
+    <p:tnLst>
+      <p:par>
+        <p:cTn id="1" dur="indefinite" restart="never" nodeType="tmRoot"/>
+      </p:par>
+    </p:tnLst>
+  </p:timing>
+</p:sld>
+</file>
+
+<file path=ppt/slides/slide41.xml><?xml version="1.0" encoding="utf-8"?>
+<p:sld xmlns:a="http://schemas.openxmlformats.org/drawingml/2006/main" xmlns:r="http://schemas.openxmlformats.org/officeDocument/2006/relationships" xmlns:p="http://schemas.openxmlformats.org/presentationml/2006/main">
+  <p:cSld>
+    <p:spTree>
+      <p:nvGrpSpPr>
+        <p:cNvPr id="1" name=""/>
+        <p:cNvGrpSpPr/>
+        <p:nvPr/>
+      </p:nvGrpSpPr>
+      <p:grpSpPr>
+        <a:xfrm>
+          <a:off x="0" y="0"/>
+          <a:ext cx="0" cy="0"/>
+          <a:chOff x="0" y="0"/>
+          <a:chExt cx="0" cy="0"/>
+        </a:xfrm>
+      </p:grpSpPr>
+      <p:pic>
+        <p:nvPicPr>
+          <p:cNvPr id="7" name="6 Imagen"/>
+          <p:cNvPicPr/>
+          <p:nvPr/>
+        </p:nvPicPr>
+        <p:blipFill>
+          <a:blip r:embed="rId2">
+            <a:extLst>
+              <a:ext uri="{28A0092B-C50C-407E-A947-70E740481C1C}">
+                <a14:useLocalDpi xmlns:a14="http://schemas.microsoft.com/office/drawing/2010/main" val="0"/>
+              </a:ext>
+            </a:extLst>
+          </a:blip>
+          <a:stretch>
+            <a:fillRect/>
+          </a:stretch>
+        </p:blipFill>
+        <p:spPr>
+          <a:xfrm>
+            <a:off x="0" y="5229200"/>
+            <a:ext cx="9126876" cy="1556792"/>
+          </a:xfrm>
+          <a:prstGeom prst="rect">
+            <a:avLst/>
+          </a:prstGeom>
+        </p:spPr>
+      </p:pic>
+      <p:sp>
+        <p:nvSpPr>
+          <p:cNvPr id="8" name="Rectángulo 7"/>
+          <p:cNvSpPr/>
+          <p:nvPr/>
+        </p:nvSpPr>
+        <p:spPr>
+          <a:xfrm>
+            <a:off x="0" y="381804"/>
+            <a:ext cx="4563438" cy="45719"/>
+          </a:xfrm>
+          <a:prstGeom prst="rect">
+            <a:avLst/>
+          </a:prstGeom>
+          <a:solidFill>
+            <a:srgbClr val="FF0000"/>
+          </a:solidFill>
+          <a:ln>
+            <a:noFill/>
+          </a:ln>
+          <a:effectLst>
+            <a:outerShdw blurRad="44450" dist="27940" dir="5400000" algn="ctr">
+              <a:srgbClr val="000000">
+                <a:alpha val="32000"/>
+              </a:srgbClr>
+            </a:outerShdw>
+          </a:effectLst>
+          <a:scene3d>
+            <a:camera prst="orthographicFront">
+              <a:rot lat="0" lon="0" rev="0"/>
+            </a:camera>
+            <a:lightRig rig="balanced" dir="t">
+              <a:rot lat="0" lon="0" rev="8700000"/>
+            </a:lightRig>
+          </a:scene3d>
+          <a:sp3d>
+            <a:bevelT w="190500" h="38100"/>
+          </a:sp3d>
+        </p:spPr>
+        <p:style>
+          <a:lnRef idx="2">
+            <a:schemeClr val="accent1">
+              <a:shade val="50000"/>
+            </a:schemeClr>
+          </a:lnRef>
+          <a:fillRef idx="1">
+            <a:schemeClr val="accent1"/>
+          </a:fillRef>
+          <a:effectRef idx="0">
+            <a:schemeClr val="accent1"/>
+          </a:effectRef>
+          <a:fontRef idx="minor">
+            <a:schemeClr val="lt1"/>
+          </a:fontRef>
+        </p:style>
+        <p:txBody>
+          <a:bodyPr rtlCol="0" anchor="ctr"/>
+          <a:lstStyle/>
+          <a:p>
+            <a:pPr algn="ctr"/>
+            <a:endParaRPr lang="es-EC"/>
+          </a:p>
+        </p:txBody>
+      </p:sp>
+      <p:pic>
+        <p:nvPicPr>
+          <p:cNvPr id="2" name="Imagen 1">
+            <a:extLst>
+              <a:ext uri="{FF2B5EF4-FFF2-40B4-BE49-F238E27FC236}">
+                <a16:creationId xmlns:a16="http://schemas.microsoft.com/office/drawing/2014/main" id="{0FEA6DE7-B9BD-4547-89A5-27816310CDF2}"/>
+              </a:ext>
+            </a:extLst>
+          </p:cNvPr>
+          <p:cNvPicPr>
+            <a:picLocks noChangeAspect="1"/>
+          </p:cNvPicPr>
+          <p:nvPr/>
+        </p:nvPicPr>
+        <p:blipFill>
+          <a:blip r:embed="rId3"/>
+          <a:stretch>
+            <a:fillRect/>
+          </a:stretch>
+        </p:blipFill>
+        <p:spPr>
+          <a:xfrm>
+            <a:off x="7807323" y="99424"/>
+            <a:ext cx="1365622" cy="804742"/>
+          </a:xfrm>
+          <a:prstGeom prst="rect">
+            <a:avLst/>
+          </a:prstGeom>
+        </p:spPr>
+      </p:pic>
+      <p:sp>
+        <p:nvSpPr>
+          <p:cNvPr id="6" name="15 CuadroTexto"/>
+          <p:cNvSpPr txBox="1"/>
+          <p:nvPr/>
+        </p:nvSpPr>
+        <p:spPr>
+          <a:xfrm>
+            <a:off x="402924" y="97658"/>
+            <a:ext cx="4752528" cy="276999"/>
+          </a:xfrm>
+          <a:prstGeom prst="rect">
+            <a:avLst/>
+          </a:prstGeom>
+          <a:noFill/>
+        </p:spPr>
+        <p:txBody>
+          <a:bodyPr wrap="square" rtlCol="0">
+            <a:spAutoFit/>
+          </a:bodyPr>
+          <a:lstStyle/>
+          <a:p>
+            <a:r>
+              <a:rPr lang="es-EC" sz="1200" i="1" dirty="0" smtClean="0"/>
+              <a:t>#</a:t>
+            </a:r>
+            <a:r>
+              <a:rPr lang="es-EC" sz="1200" i="1" dirty="0" err="1" smtClean="0"/>
+              <a:t>UleamEnBuenasManos</a:t>
+            </a:r>
+            <a:endParaRPr lang="es-EC" sz="1200" i="1" dirty="0"/>
+          </a:p>
+        </p:txBody>
+      </p:sp>
+      <p:sp>
+        <p:nvSpPr>
+          <p:cNvPr id="12" name="Título 3"/>
+          <p:cNvSpPr>
+            <a:spLocks noGrp="1"/>
+          </p:cNvSpPr>
+          <p:nvPr>
+            <p:ph type="ctrTitle"/>
+          </p:nvPr>
+        </p:nvSpPr>
+        <p:spPr>
+          <a:xfrm>
+            <a:off x="1225489" y="562880"/>
+            <a:ext cx="6048672" cy="1154781"/>
+          </a:xfrm>
+        </p:spPr>
+        <p:txBody>
+          <a:bodyPr>
+            <a:noAutofit/>
+          </a:bodyPr>
+          <a:lstStyle/>
+          <a:p>
+            <a:r>
+              <a:rPr lang="es-ES" sz="4000" dirty="0" smtClean="0">
+                <a:effectLst>
+                  <a:outerShdw blurRad="38100" dist="38100" dir="2700000" algn="tl">
+                    <a:srgbClr val="000000">
+                      <a:alpha val="43137"/>
+                    </a:srgbClr>
+                  </a:outerShdw>
+                </a:effectLst>
+              </a:rPr>
+              <a:t>Símbolos eléctricos</a:t>
+            </a:r>
+            <a:endParaRPr lang="es-EC" sz="4400" b="1" i="1" dirty="0">
+              <a:effectLst>
+                <a:outerShdw blurRad="38100" dist="38100" dir="2700000" algn="tl">
+                  <a:srgbClr val="000000">
+                    <a:alpha val="43137"/>
+                  </a:srgbClr>
+                </a:outerShdw>
+              </a:effectLst>
+            </a:endParaRPr>
+          </a:p>
+        </p:txBody>
+      </p:sp>
+      <p:sp>
+        <p:nvSpPr>
+          <p:cNvPr id="20" name="Rectángulo 19"/>
+          <p:cNvSpPr/>
+          <p:nvPr/>
+        </p:nvSpPr>
+        <p:spPr>
+          <a:xfrm>
+            <a:off x="310356" y="1761309"/>
+            <a:ext cx="3253532" cy="923330"/>
+          </a:xfrm>
+          <a:prstGeom prst="rect">
+            <a:avLst/>
+          </a:prstGeom>
+        </p:spPr>
+        <p:txBody>
+          <a:bodyPr wrap="square">
+            <a:spAutoFit/>
+          </a:bodyPr>
+          <a:lstStyle/>
+          <a:p>
+            <a:pPr algn="just"/>
+            <a:r>
+              <a:rPr lang="es-ES" dirty="0" smtClean="0"/>
+              <a:t>Los símbolos representan los elementos del circuito de forma simplificada y fácil de dibujar </a:t>
+            </a:r>
+            <a:endParaRPr lang="es-ES" dirty="0"/>
+          </a:p>
+        </p:txBody>
+      </p:sp>
+      <p:pic>
+        <p:nvPicPr>
+          <p:cNvPr id="3" name="Imagen 2"/>
+          <p:cNvPicPr>
+            <a:picLocks noChangeAspect="1"/>
+          </p:cNvPicPr>
+          <p:nvPr/>
+        </p:nvPicPr>
+        <p:blipFill>
+          <a:blip r:embed="rId4"/>
+          <a:stretch>
+            <a:fillRect/>
+          </a:stretch>
+        </p:blipFill>
+        <p:spPr>
+          <a:xfrm>
+            <a:off x="3707904" y="1837883"/>
+            <a:ext cx="5153025" cy="3228975"/>
+          </a:xfrm>
+          <a:prstGeom prst="rect">
+            <a:avLst/>
+          </a:prstGeom>
+        </p:spPr>
+      </p:pic>
+    </p:spTree>
+    <p:extLst>
+      <p:ext uri="{BB962C8B-B14F-4D97-AF65-F5344CB8AC3E}">
+        <p14:creationId xmlns:p14="http://schemas.microsoft.com/office/powerpoint/2010/main" val="4128143482"/>
       </p:ext>
     </p:extLst>
   </p:cSld>
